--- a/documentation/frontend-fundamentals.pptx
+++ b/documentation/frontend-fundamentals.pptx
@@ -41,8 +41,8 @@
     <p:sldId id="637" r:id="rId32"/>
     <p:sldId id="638" r:id="rId33"/>
     <p:sldId id="640" r:id="rId34"/>
-    <p:sldId id="645" r:id="rId35"/>
-    <p:sldId id="646" r:id="rId36"/>
+    <p:sldId id="646" r:id="rId35"/>
+    <p:sldId id="645" r:id="rId36"/>
     <p:sldId id="647" r:id="rId37"/>
     <p:sldId id="648" r:id="rId38"/>
     <p:sldId id="649" r:id="rId39"/>
@@ -3043,7 +3043,7 @@
           <a:p>
             <a:fld id="{B5D7A87D-1CDA-443F-BAE3-82C9C05446C3}" type="datetimeFigureOut">
               <a:rPr lang="en-CA" smtClean="0"/>
-              <a:t>2023-08-31</a:t>
+              <a:t>2023-09-05</a:t>
             </a:fld>
             <a:endParaRPr lang="en-CA"/>
           </a:p>
@@ -3659,7 +3659,172 @@
                 <a:effectLst/>
                 <a:latin typeface="ui-rounded"/>
               </a:rPr>
-              <a:t>Next I would like the address the matter of UX and UI. Often UX and UI and confused or even coupled with frontend development. I would like to stress that this is NOT what we will do in this workshop. To keep it brief, UI/UX is an art onto itself and is a completely separate branch of work from the development that we are here for.</a:t>
+              <a:t>Next I would like the address the matter of UX, or User Experience, and UI, or User Interface. UX and UI are two important factors in the software development cycle and together they ensure that the application has a good “look and feel”.</a:t>
+            </a:r>
+          </a:p>
+          <a:p>
+            <a:pPr marL="0" marR="0" lvl="0" indent="0" algn="l" defTabSz="914400" rtl="0" eaLnBrk="1" fontAlgn="auto" latinLnBrk="0" hangingPunct="1">
+              <a:lnSpc>
+                <a:spcPct val="100000"/>
+              </a:lnSpc>
+              <a:spcBef>
+                <a:spcPts val="0"/>
+              </a:spcBef>
+              <a:spcAft>
+                <a:spcPts val="0"/>
+              </a:spcAft>
+              <a:buClrTx/>
+              <a:buSzTx/>
+              <a:buFontTx/>
+              <a:buNone/>
+              <a:tabLst/>
+              <a:defRPr/>
+            </a:pPr>
+            <a:endParaRPr lang="en-GB" b="0" i="0" u="none" strike="noStrike" dirty="0">
+              <a:solidFill>
+                <a:srgbClr val="D1D5DB"/>
+              </a:solidFill>
+              <a:effectLst/>
+              <a:latin typeface="ui-rounded"/>
+            </a:endParaRPr>
+          </a:p>
+          <a:p>
+            <a:pPr marL="0" marR="0" lvl="0" indent="0" algn="l" defTabSz="914400" rtl="0" eaLnBrk="1" fontAlgn="auto" latinLnBrk="0" hangingPunct="1">
+              <a:lnSpc>
+                <a:spcPct val="100000"/>
+              </a:lnSpc>
+              <a:spcBef>
+                <a:spcPts val="0"/>
+              </a:spcBef>
+              <a:spcAft>
+                <a:spcPts val="0"/>
+              </a:spcAft>
+              <a:buClrTx/>
+              <a:buSzTx/>
+              <a:buFontTx/>
+              <a:buNone/>
+              <a:tabLst/>
+              <a:defRPr/>
+            </a:pPr>
+            <a:r>
+              <a:rPr lang="en-GB" b="0" i="0" u="none" strike="noStrike" dirty="0">
+                <a:solidFill>
+                  <a:srgbClr val="D1D5DB"/>
+                </a:solidFill>
+                <a:effectLst/>
+                <a:latin typeface="ui-rounded"/>
+              </a:rPr>
+              <a:t>You can think of UI as the outer shell of the application, it’s like the clothes the app wears. UI is all about how the app looks – the buttons, colours, fonts, images and layout.</a:t>
+            </a:r>
+          </a:p>
+          <a:p>
+            <a:pPr marL="0" marR="0" lvl="0" indent="0" algn="l" defTabSz="914400" rtl="0" eaLnBrk="1" fontAlgn="auto" latinLnBrk="0" hangingPunct="1">
+              <a:lnSpc>
+                <a:spcPct val="100000"/>
+              </a:lnSpc>
+              <a:spcBef>
+                <a:spcPts val="0"/>
+              </a:spcBef>
+              <a:spcAft>
+                <a:spcPts val="0"/>
+              </a:spcAft>
+              <a:buClrTx/>
+              <a:buSzTx/>
+              <a:buFontTx/>
+              <a:buNone/>
+              <a:tabLst/>
+              <a:defRPr/>
+            </a:pPr>
+            <a:endParaRPr lang="en-GB" b="0" i="0" u="none" strike="noStrike" dirty="0">
+              <a:solidFill>
+                <a:srgbClr val="D1D5DB"/>
+              </a:solidFill>
+              <a:effectLst/>
+              <a:latin typeface="ui-rounded"/>
+            </a:endParaRPr>
+          </a:p>
+          <a:p>
+            <a:pPr marL="0" marR="0" lvl="0" indent="0" algn="l" defTabSz="914400" rtl="0" eaLnBrk="1" fontAlgn="auto" latinLnBrk="0" hangingPunct="1">
+              <a:lnSpc>
+                <a:spcPct val="100000"/>
+              </a:lnSpc>
+              <a:spcBef>
+                <a:spcPts val="0"/>
+              </a:spcBef>
+              <a:spcAft>
+                <a:spcPts val="0"/>
+              </a:spcAft>
+              <a:buClrTx/>
+              <a:buSzTx/>
+              <a:buFontTx/>
+              <a:buNone/>
+              <a:tabLst/>
+              <a:defRPr/>
+            </a:pPr>
+            <a:r>
+              <a:rPr lang="en-GB" b="0" i="0" u="none" strike="noStrike" dirty="0">
+                <a:solidFill>
+                  <a:srgbClr val="D1D5DB"/>
+                </a:solidFill>
+                <a:effectLst/>
+                <a:latin typeface="ui-rounded"/>
+              </a:rPr>
+              <a:t>UX on the other hand is the overall experience the user the users have when they use the application. UX is more about the user’s journey through the application. It’s making sure the app is easy to understand and navigate and that it solves the user’s problem efficiently.</a:t>
+            </a:r>
+          </a:p>
+          <a:p>
+            <a:pPr marL="0" marR="0" lvl="0" indent="0" algn="l" defTabSz="914400" rtl="0" eaLnBrk="1" fontAlgn="auto" latinLnBrk="0" hangingPunct="1">
+              <a:lnSpc>
+                <a:spcPct val="100000"/>
+              </a:lnSpc>
+              <a:spcBef>
+                <a:spcPts val="0"/>
+              </a:spcBef>
+              <a:spcAft>
+                <a:spcPts val="0"/>
+              </a:spcAft>
+              <a:buClrTx/>
+              <a:buSzTx/>
+              <a:buFontTx/>
+              <a:buNone/>
+              <a:tabLst/>
+              <a:defRPr/>
+            </a:pPr>
+            <a:endParaRPr lang="en-GB" b="0" i="0" u="none" strike="noStrike" dirty="0">
+              <a:solidFill>
+                <a:srgbClr val="D1D5DB"/>
+              </a:solidFill>
+              <a:effectLst/>
+              <a:latin typeface="ui-rounded"/>
+            </a:endParaRPr>
+          </a:p>
+          <a:p>
+            <a:pPr marL="0" marR="0" lvl="0" indent="0" algn="l" defTabSz="914400" rtl="0" eaLnBrk="1" fontAlgn="auto" latinLnBrk="0" hangingPunct="1">
+              <a:lnSpc>
+                <a:spcPct val="100000"/>
+              </a:lnSpc>
+              <a:spcBef>
+                <a:spcPts val="0"/>
+              </a:spcBef>
+              <a:spcAft>
+                <a:spcPts val="0"/>
+              </a:spcAft>
+              <a:buClrTx/>
+              <a:buSzTx/>
+              <a:buFontTx/>
+              <a:buNone/>
+              <a:tabLst/>
+              <a:defRPr/>
+            </a:pPr>
+            <a:r>
+              <a:rPr lang="en-GB" b="0" i="0" u="none" strike="noStrike" dirty="0">
+                <a:solidFill>
+                  <a:srgbClr val="D1D5DB"/>
+                </a:solidFill>
+                <a:effectLst/>
+                <a:latin typeface="ui-rounded"/>
+              </a:rPr>
+              <a:t>These concepts however will not be addressed in this workshop as they make up a different branch in the flow of creating an application. As opposed to these concepts, frontend development is all about creating the application so that it adheres to the UI/UX that was designed beforehand. It is about the realisation, not about the design beforehand.</a:t>
             </a:r>
           </a:p>
         </p:txBody>
@@ -4942,7 +5107,16 @@
           <a:p>
             <a:r>
               <a:rPr lang="en-NL" dirty="0"/>
-              <a:t>The first important factor to consider is that any frontend job will always use some kind of framework. There are many frameworks out there, and we’ve listed some of them here. The three most popular frameworks are React, Vue and Angular and within CGI you’ll mostly find React and Angular. For this workshop however we will focus on React because it has a lower learning curve than Angular has.</a:t>
+              <a:t>The first important factor to consider is that any frontend job will always use some kind of library. There are many libraries out there, and we’ve listed some of them here. The three most popular frameworks are React, Vue and Angular and within CGI you’ll mostly find React and Angular. For this workshop however we will focus on React because it has a lower learning curve than Angular has.</a:t>
+            </a:r>
+          </a:p>
+          <a:p>
+            <a:endParaRPr lang="en-NL" dirty="0"/>
+          </a:p>
+          <a:p>
+            <a:r>
+              <a:rPr lang="en-NL" dirty="0"/>
+              <a:t>- Dit zijn libraries die HTML,CSS,JS genereren. Het zijn hulpmiddelen</a:t>
             </a:r>
           </a:p>
         </p:txBody>
@@ -5029,7 +5203,7 @@
           <a:p>
             <a:r>
               <a:rPr lang="en-NL" dirty="0"/>
-              <a:t>But before we can really start we need to quickly address NodeJS. Why did we ask you all to install this beforehand? Usually JavaScript is associated with browsers, but in the modern day it also runs on servers or computers, which is where NodeJS comes in. For the purposes of frontend development NodeJS is used as a package manager and script runner. Through these scripts it is able to run a web server, which you may have already utilitized for the first 2 assignments, build code into an optimal production-ready bundle, or many many more things. Without NodeJS frontend development would be impossible as we know it today.</a:t>
+              <a:t>But before we can really start we need to quickly address NodeJS. Why did we ask you all to install this beforehand? Usually JavaScript is associated with browsers, but in the modern day it also runs on servers or computers, which is where NodeJS comes in. For the purposes of frontend development NodeJS is used as a package manager (like nuget) and script runner. Through these scripts it is able to run a web server, which you may have already utilitized for the first 2 assignments, build code into an optimal production-ready bundle. A bundle like this is the generated HTML, CSS and JS that we talked about before. Without NodeJS frontend development would be impossible as we know it today.</a:t>
             </a:r>
           </a:p>
         </p:txBody>
@@ -5116,7 +5290,16 @@
           <a:p>
             <a:r>
               <a:rPr lang="en-NL" dirty="0"/>
-              <a:t>React is a library designed by Meta. It was first released in 2013 and has been popular ever since. React code is all about writing predictable code that is simple to understand and easy to debug. When writing React code it is encouraged to write smaller components that encapsulate just one functionality, similar to how you may be familiar with the multiple responsibilities codesmell from object oriented languages such as Java or C#. By making sure that every component encapsulates only what it needs to you make it much easier to narrow into a problem if any arises down the line. Lastly, like all modern web frameworks React also supports dynamic routers. You may remember from way back in the day you would visit a website and every time you went to a new page you would see the whole page load anew and the URL would change loading a different HTML file. The reason this no longer happens these days is because we use dynamic routers. What these essentially allow is for an application to live on a single page, which gives them the namesake of single-page application (SPA), while giving you different content based on the path you’re visiting, for example a home page or a login page.</a:t>
+              <a:t>React is a library designed by Meta. It was first released in 2013 and has been popular ever since. React code is all about writing predictable code that is simple to understand and easy to debug. When writing React code it is encouraged to write smaller components that encapsulate just one functionality, similar to many of the principles that you have already learned during the object oriented programming deep dive classes. By making sure that every component encapsulates only what it needs to you make it much easier to narrow into a problem if any arises down the line.</a:t>
+            </a:r>
+          </a:p>
+          <a:p>
+            <a:endParaRPr lang="en-NL" dirty="0"/>
+          </a:p>
+          <a:p>
+            <a:r>
+              <a:rPr lang="en-NL" dirty="0"/>
+              <a:t>Lastly, with libraries like React you build what is called a Single Paged Application. Single Paged Applications are applications that live on one single page and use JavaScript to display different content to the user based on what they want to view, we call that the route of the page. This is contrast to way back in the day where websites would consist of many separate pages and you’d have to load a whole new page everytime you go to a different page.</a:t>
             </a:r>
           </a:p>
         </p:txBody>
@@ -5199,7 +5382,7 @@
         <p:spPr/>
         <p:txBody>
           <a:bodyPr>
-            <a:normAutofit lnSpcReduction="10000"/>
+            <a:normAutofit fontScale="92500" lnSpcReduction="10000"/>
           </a:bodyPr>
           <a:lstStyle/>
           <a:p>
@@ -5243,7 +5426,7 @@
             </a:pPr>
             <a:r>
               <a:rPr lang="en-NL" dirty="0"/>
-              <a:t>When writing React code we need to use state to keep track of values. For this React uses so called “hooks”. For now you just need to know that “useState” is a hook in which we can keep track of state. The first parameter, canDrink, is the current state and the second parameter, ”setCanDrink”, is how we write a new value to it.</a:t>
+              <a:t>The order of code in this component matters a lot. Lets go over it from top to bottom, this shows the correct order that should be used</a:t>
             </a:r>
           </a:p>
           <a:p>
@@ -5252,7 +5435,7 @@
             </a:pPr>
             <a:r>
               <a:rPr lang="en-NL" dirty="0"/>
-              <a:t>Next we have largely the same event that we had before with the JavaScript code, except now instead of setting the value to the element like we had to do before, we update the React state.</a:t>
+              <a:t>When writing React code we need to use state to keep track of values. For this React uses so called “hooks”. For now you just need to know that “useState” is a hook in which we can keep track of state. The first parameter, canDrink, is the current state and the second parameter, ”setCanDrink”, is how we write a new value to it.</a:t>
             </a:r>
           </a:p>
           <a:p>
@@ -5261,7 +5444,25 @@
             </a:pPr>
             <a:r>
               <a:rPr lang="en-NL" dirty="0"/>
-              <a:t>And at the bottom we have the JSX code. Here you can see that we have removed the “id” properties because we no longer need to identify our components from JavaScript and we have instead embedded the code directly into this JSX. </a:t>
+              <a:t>Next we have largely the same event that we had before with the JavaScript code, except now instead of setting the value to the element like we had to do before, we update the React state.</a:t>
+            </a:r>
+          </a:p>
+          <a:p>
+            <a:pPr marL="228600" indent="-228600">
+              <a:buAutoNum type="arabicPeriod"/>
+            </a:pPr>
+            <a:r>
+              <a:rPr lang="en-NL" dirty="0"/>
+              <a:t>And at the bottom we have the JSX code. Here you can see that we have removed the “id” properties because we no longer need to identify our components from JavaScript and we have instead embedded the code directly into this JSX.</a:t>
+            </a:r>
+          </a:p>
+          <a:p>
+            <a:pPr marL="228600" indent="-228600">
+              <a:buAutoNum type="arabicPeriod"/>
+            </a:pPr>
+            <a:r>
+              <a:rPr lang="en-NL" dirty="0"/>
+              <a:t>This return at the bottom defines the actual syntax that should be rendered</a:t>
             </a:r>
           </a:p>
         </p:txBody>
@@ -6027,7 +6228,15 @@
           <a:p>
             <a:r>
               <a:rPr lang="en-NL" dirty="0"/>
-              <a:t>Conditional rendering is when we want to render some content based on a condition. An example of when this may be needed is checking whether the user has toggled some kind of switch. Here you see an example of how to conditionally render a true/false case. With JSX we leverage the “ternary operator”. Ternary operators are a concept in many programming languages that allow you to write an if/else case without the explicit if/else keywords.</a:t>
+              <a:t>Lets start by extracting the rendering to a function. This can be particularily useful if you need to render a lot of code based on complex conditions, such as switch/case statements, multiple if/else statements, loops or different complexity. Lets have a look at some code that based on a condition renders different HTML </a:t>
+            </a:r>
+            <a:r>
+              <a:rPr lang="en-NL"/>
+              <a:t>code.We </a:t>
+            </a:r>
+            <a:r>
+              <a:rPr lang="en-NL" dirty="0"/>
+              <a:t>then call the function in the JSX code below and the content from the function will be rendered on the page appropiately.</a:t>
             </a:r>
           </a:p>
         </p:txBody>
@@ -6058,7 +6267,7 @@
     </p:spTree>
     <p:extLst>
       <p:ext uri="{BB962C8B-B14F-4D97-AF65-F5344CB8AC3E}">
-        <p14:creationId xmlns:p14="http://schemas.microsoft.com/office/powerpoint/2010/main" val="756437030"/>
+        <p14:creationId xmlns:p14="http://schemas.microsoft.com/office/powerpoint/2010/main" val="4074784712"/>
       </p:ext>
     </p:extLst>
   </p:cSld>
@@ -6114,7 +6323,7 @@
           <a:p>
             <a:r>
               <a:rPr lang="en-NL" dirty="0"/>
-              <a:t>The next topic is extracting the rendering to a function. This can be particularily useful if you need to render a lot of code based on complex conditions, such as switch/case statements, multiple if/else statements, loops or different complexity. Taking the exact same sample from the previous slide you can see how in this case we defined a function and used a regular if/else flow. We then call the function in the JSX code below and the content from the function will be rendered on the page appropiately.</a:t>
+              <a:t>The next topic is inline conditional rendering. An example of when this may be needed is checking whether the user has toggled some kind of switch. Here you see  the same code of the previous slide but with inline conditional rendering. In this case because the condition is very simple this is the preferred way. With JSX we leverage the “ternary operator”, which is the question mark and colon symbols. Code for when the case is true goes behind the question mark, code for when the case is false goes behind the colon. Ternary operators are a concept in many programming languages that allow you to write an if/else case without the explicit if/else keywords.</a:t>
             </a:r>
           </a:p>
         </p:txBody>
@@ -6145,7 +6354,7 @@
     </p:spTree>
     <p:extLst>
       <p:ext uri="{BB962C8B-B14F-4D97-AF65-F5344CB8AC3E}">
-        <p14:creationId xmlns:p14="http://schemas.microsoft.com/office/powerpoint/2010/main" val="4074784712"/>
+        <p14:creationId xmlns:p14="http://schemas.microsoft.com/office/powerpoint/2010/main" val="756437030"/>
       </p:ext>
     </p:extLst>
   </p:cSld>
@@ -6201,15 +6410,16 @@
           <a:p>
             <a:r>
               <a:rPr lang="en-NL" dirty="0"/>
-              <a:t>Now lets look at how to render lists. Over here we have a simple array with five items. If we want to render that to React components the easiest way is to leverage the “map” function on an array. You may be familiar with “map” from other languages, for example J</a:t>
-            </a:r>
-            <a:r>
-              <a:rPr lang="en-GB" dirty="0"/>
-              <a:t>a</a:t>
-            </a:r>
+              <a:t>Now lets look at how to render lists. Over here we have a simple array with five items. If we want to render that to React components the easiest way is to leverage the “map” function on an array. A map goes over every item in the array and transforms the element from the original to something else.</a:t>
+            </a:r>
+          </a:p>
+          <a:p>
+            <a:endParaRPr lang="en-NL" dirty="0"/>
+          </a:p>
+          <a:p>
             <a:r>
               <a:rPr lang="en-NL" dirty="0"/>
-              <a:t>va has “map” on streams. For JavaScript it does mostly the same, it goes over every element in the array and you can transform that element in some way. When looping over items in this way it is important to read both the array element, here called item, and the array index. React requires being able to identify which element is which and for that using </a:t>
+              <a:t>When looping over items in this way it is important to read both the array element, here called item, and the array index. React requires being able to identify which element is which and for that using </a:t>
             </a:r>
             <a:r>
               <a:rPr lang="en-GB" dirty="0" err="1"/>
@@ -6312,7 +6522,25 @@
           <a:p>
             <a:r>
               <a:rPr lang="en-NL" dirty="0"/>
-              <a:t>We’ve covered the most common special rendering techniques and with that information you should have a good basis for creating React components. That still leaves out user interactivity however. Before when showing you about the JSX syntax we had an event handler for the onKeyUp event, but the most popular and probably the event you will use most is the onClick event, which you would use for any button clicks. In this bit of sample code we see two ways to handle on click events. At the top we use an externally defined function. It is important to note here that you do NOT use functions like how the second line shows, in JavaScript there is a big difference between these two. In case of the first line you pass the function itself, whereas with the second line you execute the function and pass the result through, which in this case means that rather than the function triggering on the click, it triggers as soon as the button is visible. As mentioned before there is also another way to handle the click event, which is the bottom row, these are called “arrow functions” in JavaScript and they let you completely inline the function and without having to give it a name. This can be particularly useful if whatever you want to execute is a single line and not a high complexity.</a:t>
+              <a:t>We’ve covered the most common special rendering techniques and with that information you should have a good basis for creating React components. That still leaves out user interactivity however. Before when showing you about the JSX syntax we had an event handler for the onKeyUp event, but the most popular and probably the event you will use most is the onClick event, which you would use for any button clicks. In this bit of sample code we see two ways to handle on click events. At the top we use an externally defined function. </a:t>
+            </a:r>
+          </a:p>
+          <a:p>
+            <a:endParaRPr lang="en-NL" dirty="0"/>
+          </a:p>
+          <a:p>
+            <a:r>
+              <a:rPr lang="en-NL" dirty="0"/>
+              <a:t>It is important to note here that you do NOT use functions like how the second line shows, in JavaScript there is a big difference between these two. In case of the first line you pass the function itself, whereas with the second line you execute the function and pass the result through, which in this case means that rather than the function triggering on the click, it triggers as soon as the button is visible.</a:t>
+            </a:r>
+          </a:p>
+          <a:p>
+            <a:endParaRPr lang="en-NL" dirty="0"/>
+          </a:p>
+          <a:p>
+            <a:r>
+              <a:rPr lang="en-NL" dirty="0"/>
+              <a:t>As mentioned before there is also another way to handle the click event, which is the bottom row, these are called “arrow functions” in JavaScript and they let you completely inline the function and without having to give it a name. This can be particularly useful if whatever you want to execute is a single line and not a high complexity.</a:t>
             </a:r>
           </a:p>
         </p:txBody>
@@ -6486,7 +6714,7 @@
           <a:p>
             <a:r>
               <a:rPr lang="en-NL" dirty="0"/>
-              <a:t>First of all, react components always receive one and only one parameter, and that’s the props object. For example in this sample to the left we are passing 2 different properties, but the child component still only receive 1 parameter, the props.</a:t>
+              <a:t>First of all, react components always receive one and only one parameter, and that’s the props object. For example in this sample to the right we are passing 2 different properties, but the child component still only receive 1 parameter, the props.</a:t>
             </a:r>
           </a:p>
           <a:p>
@@ -6506,7 +6734,7 @@
           <a:p>
             <a:r>
               <a:rPr lang="en-NL" dirty="0"/>
-              <a:t>Thirdly you can pass functions, variables, a</a:t>
+              <a:t>And lastly you can pass functions, variables, a</a:t>
             </a:r>
             <a:r>
               <a:rPr lang="en-GB" dirty="0" err="1"/>
@@ -6515,12 +6743,6 @@
             <a:r>
               <a:rPr lang="en-NL" dirty="0"/>
               <a:t> complete other React components as props.</a:t>
-            </a:r>
-          </a:p>
-          <a:p>
-            <a:r>
-              <a:rPr lang="en-NL" dirty="0"/>
-              <a:t>And lastly you should avoid passing complex structures like classes as props, React will have difficulty handling this so it’s best to avoid it altogether.</a:t>
             </a:r>
           </a:p>
         </p:txBody>
@@ -7920,13 +8142,13 @@
   <p:clrMapOvr>
     <a:masterClrMapping/>
   </p:clrMapOvr>
-  <mc:AlternateContent xmlns:mc="http://schemas.openxmlformats.org/markup-compatibility/2006">
-    <mc:Choice xmlns:p14="http://schemas.microsoft.com/office/powerpoint/2010/main" Requires="p14">
+  <mc:AlternateContent xmlns:mc="http://schemas.openxmlformats.org/markup-compatibility/2006" xmlns:p14="http://schemas.microsoft.com/office/powerpoint/2010/main">
+    <mc:Choice Requires="p14">
       <p:transition spd="med" p14:dur="700">
         <p:fade/>
       </p:transition>
     </mc:Choice>
-    <mc:Fallback>
+    <mc:Fallback xmlns="">
       <p:transition spd="med">
         <p:fade/>
       </p:transition>
@@ -8382,13 +8604,13 @@
   <p:clrMapOvr>
     <a:masterClrMapping/>
   </p:clrMapOvr>
-  <mc:AlternateContent xmlns:mc="http://schemas.openxmlformats.org/markup-compatibility/2006">
-    <mc:Choice xmlns:p14="http://schemas.microsoft.com/office/powerpoint/2010/main" Requires="p14">
+  <mc:AlternateContent xmlns:mc="http://schemas.openxmlformats.org/markup-compatibility/2006" xmlns:p14="http://schemas.microsoft.com/office/powerpoint/2010/main">
+    <mc:Choice Requires="p14">
       <p:transition spd="med" p14:dur="700">
         <p:fade/>
       </p:transition>
     </mc:Choice>
-    <mc:Fallback>
+    <mc:Fallback xmlns="">
       <p:transition spd="med">
         <p:fade/>
       </p:transition>
@@ -10066,13 +10288,13 @@
   <p:clrMapOvr>
     <a:masterClrMapping/>
   </p:clrMapOvr>
-  <mc:AlternateContent xmlns:mc="http://schemas.openxmlformats.org/markup-compatibility/2006">
-    <mc:Choice xmlns:p14="http://schemas.microsoft.com/office/powerpoint/2010/main" Requires="p14">
+  <mc:AlternateContent xmlns:mc="http://schemas.openxmlformats.org/markup-compatibility/2006" xmlns:p14="http://schemas.microsoft.com/office/powerpoint/2010/main">
+    <mc:Choice Requires="p14">
       <p:transition spd="med" p14:dur="700">
         <p:fade/>
       </p:transition>
     </mc:Choice>
-    <mc:Fallback>
+    <mc:Fallback xmlns="">
       <p:transition spd="med">
         <p:fade/>
       </p:transition>
@@ -10681,13 +10903,13 @@
   <p:clrMapOvr>
     <a:masterClrMapping/>
   </p:clrMapOvr>
-  <mc:AlternateContent xmlns:mc="http://schemas.openxmlformats.org/markup-compatibility/2006">
-    <mc:Choice xmlns:p14="http://schemas.microsoft.com/office/powerpoint/2010/main" Requires="p14">
+  <mc:AlternateContent xmlns:mc="http://schemas.openxmlformats.org/markup-compatibility/2006" xmlns:p14="http://schemas.microsoft.com/office/powerpoint/2010/main">
+    <mc:Choice Requires="p14">
       <p:transition spd="med" p14:dur="700">
         <p:fade/>
       </p:transition>
     </mc:Choice>
-    <mc:Fallback>
+    <mc:Fallback xmlns="">
       <p:transition spd="med">
         <p:fade/>
       </p:transition>
@@ -11133,13 +11355,13 @@
   <p:clrMapOvr>
     <a:masterClrMapping/>
   </p:clrMapOvr>
-  <mc:AlternateContent xmlns:mc="http://schemas.openxmlformats.org/markup-compatibility/2006">
-    <mc:Choice xmlns:p14="http://schemas.microsoft.com/office/powerpoint/2010/main" Requires="p14">
+  <mc:AlternateContent xmlns:mc="http://schemas.openxmlformats.org/markup-compatibility/2006" xmlns:p14="http://schemas.microsoft.com/office/powerpoint/2010/main">
+    <mc:Choice Requires="p14">
       <p:transition spd="med" p14:dur="700">
         <p:fade/>
       </p:transition>
     </mc:Choice>
-    <mc:Fallback>
+    <mc:Fallback xmlns="">
       <p:transition spd="med">
         <p:fade/>
       </p:transition>
@@ -11753,13 +11975,13 @@
   <p:clrMapOvr>
     <a:masterClrMapping/>
   </p:clrMapOvr>
-  <mc:AlternateContent xmlns:mc="http://schemas.openxmlformats.org/markup-compatibility/2006">
-    <mc:Choice xmlns:p14="http://schemas.microsoft.com/office/powerpoint/2010/main" Requires="p14">
+  <mc:AlternateContent xmlns:mc="http://schemas.openxmlformats.org/markup-compatibility/2006" xmlns:p14="http://schemas.microsoft.com/office/powerpoint/2010/main">
+    <mc:Choice Requires="p14">
       <p:transition spd="med" p14:dur="700">
         <p:fade/>
       </p:transition>
     </mc:Choice>
-    <mc:Fallback>
+    <mc:Fallback xmlns="">
       <p:transition spd="med">
         <p:fade/>
       </p:transition>
@@ -12573,13 +12795,13 @@
   <p:clrMapOvr>
     <a:masterClrMapping/>
   </p:clrMapOvr>
-  <mc:AlternateContent xmlns:mc="http://schemas.openxmlformats.org/markup-compatibility/2006">
-    <mc:Choice xmlns:p14="http://schemas.microsoft.com/office/powerpoint/2010/main" Requires="p14">
+  <mc:AlternateContent xmlns:mc="http://schemas.openxmlformats.org/markup-compatibility/2006" xmlns:p14="http://schemas.microsoft.com/office/powerpoint/2010/main">
+    <mc:Choice Requires="p14">
       <p:transition spd="med" p14:dur="700">
         <p:fade/>
       </p:transition>
     </mc:Choice>
-    <mc:Fallback>
+    <mc:Fallback xmlns="">
       <p:transition spd="med">
         <p:fade/>
       </p:transition>
@@ -13459,13 +13681,13 @@
   <p:clrMapOvr>
     <a:masterClrMapping/>
   </p:clrMapOvr>
-  <mc:AlternateContent xmlns:mc="http://schemas.openxmlformats.org/markup-compatibility/2006">
-    <mc:Choice xmlns:p14="http://schemas.microsoft.com/office/powerpoint/2010/main" Requires="p14">
+  <mc:AlternateContent xmlns:mc="http://schemas.openxmlformats.org/markup-compatibility/2006" xmlns:p14="http://schemas.microsoft.com/office/powerpoint/2010/main">
+    <mc:Choice Requires="p14">
       <p:transition spd="med" p14:dur="700">
         <p:fade/>
       </p:transition>
     </mc:Choice>
-    <mc:Fallback>
+    <mc:Fallback xmlns="">
       <p:transition spd="med">
         <p:fade/>
       </p:transition>
@@ -15605,13 +15827,13 @@
   <p:clrMapOvr>
     <a:masterClrMapping/>
   </p:clrMapOvr>
-  <mc:AlternateContent xmlns:mc="http://schemas.openxmlformats.org/markup-compatibility/2006">
-    <mc:Choice xmlns:p14="http://schemas.microsoft.com/office/powerpoint/2010/main" Requires="p14">
+  <mc:AlternateContent xmlns:mc="http://schemas.openxmlformats.org/markup-compatibility/2006" xmlns:p14="http://schemas.microsoft.com/office/powerpoint/2010/main">
+    <mc:Choice Requires="p14">
       <p:transition spd="med" p14:dur="700">
         <p:fade/>
       </p:transition>
     </mc:Choice>
-    <mc:Fallback>
+    <mc:Fallback xmlns="">
       <p:transition spd="med">
         <p:fade/>
       </p:transition>
@@ -15973,13 +16195,13 @@
   <p:clrMapOvr>
     <a:masterClrMapping/>
   </p:clrMapOvr>
-  <mc:AlternateContent xmlns:mc="http://schemas.openxmlformats.org/markup-compatibility/2006">
-    <mc:Choice xmlns:p14="http://schemas.microsoft.com/office/powerpoint/2010/main" Requires="p14">
+  <mc:AlternateContent xmlns:mc="http://schemas.openxmlformats.org/markup-compatibility/2006" xmlns:p14="http://schemas.microsoft.com/office/powerpoint/2010/main">
+    <mc:Choice Requires="p14">
       <p:transition spd="med" p14:dur="700">
         <p:fade/>
       </p:transition>
     </mc:Choice>
-    <mc:Fallback>
+    <mc:Fallback xmlns="">
       <p:transition spd="med">
         <p:fade/>
       </p:transition>
@@ -16345,13 +16567,13 @@
   <p:clrMapOvr>
     <a:masterClrMapping/>
   </p:clrMapOvr>
-  <mc:AlternateContent xmlns:mc="http://schemas.openxmlformats.org/markup-compatibility/2006">
-    <mc:Choice xmlns:p14="http://schemas.microsoft.com/office/powerpoint/2010/main" Requires="p14">
+  <mc:AlternateContent xmlns:mc="http://schemas.openxmlformats.org/markup-compatibility/2006" xmlns:p14="http://schemas.microsoft.com/office/powerpoint/2010/main">
+    <mc:Choice Requires="p14">
       <p:transition spd="med" p14:dur="700">
         <p:fade/>
       </p:transition>
     </mc:Choice>
-    <mc:Fallback>
+    <mc:Fallback xmlns="">
       <p:transition spd="med">
         <p:fade/>
       </p:transition>
@@ -16675,13 +16897,13 @@
   <p:clrMapOvr>
     <a:masterClrMapping/>
   </p:clrMapOvr>
-  <mc:AlternateContent xmlns:mc="http://schemas.openxmlformats.org/markup-compatibility/2006">
-    <mc:Choice xmlns:p14="http://schemas.microsoft.com/office/powerpoint/2010/main" Requires="p14">
+  <mc:AlternateContent xmlns:mc="http://schemas.openxmlformats.org/markup-compatibility/2006" xmlns:p14="http://schemas.microsoft.com/office/powerpoint/2010/main">
+    <mc:Choice Requires="p14">
       <p:transition spd="med" p14:dur="700">
         <p:fade/>
       </p:transition>
     </mc:Choice>
-    <mc:Fallback>
+    <mc:Fallback xmlns="">
       <p:transition spd="med">
         <p:fade/>
       </p:transition>
@@ -17027,13 +17249,13 @@
   <p:clrMapOvr>
     <a:masterClrMapping/>
   </p:clrMapOvr>
-  <mc:AlternateContent xmlns:mc="http://schemas.openxmlformats.org/markup-compatibility/2006">
-    <mc:Choice xmlns:p14="http://schemas.microsoft.com/office/powerpoint/2010/main" Requires="p14">
+  <mc:AlternateContent xmlns:mc="http://schemas.openxmlformats.org/markup-compatibility/2006" xmlns:p14="http://schemas.microsoft.com/office/powerpoint/2010/main">
+    <mc:Choice Requires="p14">
       <p:transition spd="med" p14:dur="700">
         <p:fade/>
       </p:transition>
     </mc:Choice>
-    <mc:Fallback>
+    <mc:Fallback xmlns="">
       <p:transition spd="med">
         <p:fade/>
       </p:transition>
@@ -17395,13 +17617,13 @@
   <p:clrMapOvr>
     <a:masterClrMapping/>
   </p:clrMapOvr>
-  <mc:AlternateContent xmlns:mc="http://schemas.openxmlformats.org/markup-compatibility/2006">
-    <mc:Choice xmlns:p14="http://schemas.microsoft.com/office/powerpoint/2010/main" Requires="p14">
+  <mc:AlternateContent xmlns:mc="http://schemas.openxmlformats.org/markup-compatibility/2006" xmlns:p14="http://schemas.microsoft.com/office/powerpoint/2010/main">
+    <mc:Choice Requires="p14">
       <p:transition spd="med" p14:dur="700">
         <p:fade/>
       </p:transition>
     </mc:Choice>
-    <mc:Fallback>
+    <mc:Fallback xmlns="">
       <p:transition spd="med">
         <p:fade/>
       </p:transition>
@@ -18158,13 +18380,13 @@
   <p:clrMapOvr>
     <a:masterClrMapping/>
   </p:clrMapOvr>
-  <mc:AlternateContent xmlns:mc="http://schemas.openxmlformats.org/markup-compatibility/2006">
-    <mc:Choice xmlns:p14="http://schemas.microsoft.com/office/powerpoint/2010/main" Requires="p14">
+  <mc:AlternateContent xmlns:mc="http://schemas.openxmlformats.org/markup-compatibility/2006" xmlns:p14="http://schemas.microsoft.com/office/powerpoint/2010/main">
+    <mc:Choice Requires="p14">
       <p:transition spd="med" p14:dur="700">
         <p:fade/>
       </p:transition>
     </mc:Choice>
-    <mc:Fallback>
+    <mc:Fallback xmlns="">
       <p:transition spd="med">
         <p:fade/>
       </p:transition>
@@ -18834,13 +19056,13 @@
   <p:clrMapOvr>
     <a:masterClrMapping/>
   </p:clrMapOvr>
-  <mc:AlternateContent xmlns:mc="http://schemas.openxmlformats.org/markup-compatibility/2006">
-    <mc:Choice xmlns:p14="http://schemas.microsoft.com/office/powerpoint/2010/main" Requires="p14">
+  <mc:AlternateContent xmlns:mc="http://schemas.openxmlformats.org/markup-compatibility/2006" xmlns:p14="http://schemas.microsoft.com/office/powerpoint/2010/main">
+    <mc:Choice Requires="p14">
       <p:transition spd="med" p14:dur="700">
         <p:fade/>
       </p:transition>
     </mc:Choice>
-    <mc:Fallback>
+    <mc:Fallback xmlns="">
       <p:transition spd="med">
         <p:fade/>
       </p:transition>
@@ -19207,13 +19429,13 @@
   <p:clrMapOvr>
     <a:masterClrMapping/>
   </p:clrMapOvr>
-  <mc:AlternateContent xmlns:mc="http://schemas.openxmlformats.org/markup-compatibility/2006">
-    <mc:Choice xmlns:p14="http://schemas.microsoft.com/office/powerpoint/2010/main" Requires="p14">
+  <mc:AlternateContent xmlns:mc="http://schemas.openxmlformats.org/markup-compatibility/2006" xmlns:p14="http://schemas.microsoft.com/office/powerpoint/2010/main">
+    <mc:Choice Requires="p14">
       <p:transition spd="med" p14:dur="700">
         <p:fade/>
       </p:transition>
     </mc:Choice>
-    <mc:Fallback>
+    <mc:Fallback xmlns="">
       <p:transition spd="med">
         <p:fade/>
       </p:transition>
@@ -19509,13 +19731,13 @@
   <p:clrMapOvr>
     <a:masterClrMapping/>
   </p:clrMapOvr>
-  <mc:AlternateContent xmlns:mc="http://schemas.openxmlformats.org/markup-compatibility/2006">
-    <mc:Choice xmlns:p14="http://schemas.microsoft.com/office/powerpoint/2010/main" Requires="p14">
+  <mc:AlternateContent xmlns:mc="http://schemas.openxmlformats.org/markup-compatibility/2006" xmlns:p14="http://schemas.microsoft.com/office/powerpoint/2010/main">
+    <mc:Choice Requires="p14">
       <p:transition spd="med" p14:dur="700">
         <p:fade/>
       </p:transition>
     </mc:Choice>
-    <mc:Fallback>
+    <mc:Fallback xmlns="">
       <p:transition spd="med">
         <p:fade/>
       </p:transition>
@@ -19936,13 +20158,13 @@
   <p:clrMapOvr>
     <a:masterClrMapping/>
   </p:clrMapOvr>
-  <mc:AlternateContent xmlns:mc="http://schemas.openxmlformats.org/markup-compatibility/2006">
-    <mc:Choice xmlns:p14="http://schemas.microsoft.com/office/powerpoint/2010/main" Requires="p14">
+  <mc:AlternateContent xmlns:mc="http://schemas.openxmlformats.org/markup-compatibility/2006" xmlns:p14="http://schemas.microsoft.com/office/powerpoint/2010/main">
+    <mc:Choice Requires="p14">
       <p:transition spd="med" p14:dur="700">
         <p:fade/>
       </p:transition>
     </mc:Choice>
-    <mc:Fallback>
+    <mc:Fallback xmlns="">
       <p:transition spd="med">
         <p:fade/>
       </p:transition>
@@ -20266,13 +20488,13 @@
   <p:clrMapOvr>
     <a:masterClrMapping/>
   </p:clrMapOvr>
-  <mc:AlternateContent xmlns:mc="http://schemas.openxmlformats.org/markup-compatibility/2006">
-    <mc:Choice xmlns:p14="http://schemas.microsoft.com/office/powerpoint/2010/main" Requires="p14">
+  <mc:AlternateContent xmlns:mc="http://schemas.openxmlformats.org/markup-compatibility/2006" xmlns:p14="http://schemas.microsoft.com/office/powerpoint/2010/main">
+    <mc:Choice Requires="p14">
       <p:transition spd="med" p14:dur="700">
         <p:fade/>
       </p:transition>
     </mc:Choice>
-    <mc:Fallback>
+    <mc:Fallback xmlns="">
       <p:transition spd="med">
         <p:fade/>
       </p:transition>
@@ -21609,13 +21831,13 @@
   <p:clrMapOvr>
     <a:masterClrMapping/>
   </p:clrMapOvr>
-  <mc:AlternateContent xmlns:mc="http://schemas.openxmlformats.org/markup-compatibility/2006">
-    <mc:Choice xmlns:p14="http://schemas.microsoft.com/office/powerpoint/2010/main" Requires="p14">
+  <mc:AlternateContent xmlns:mc="http://schemas.openxmlformats.org/markup-compatibility/2006" xmlns:p14="http://schemas.microsoft.com/office/powerpoint/2010/main">
+    <mc:Choice Requires="p14">
       <p:transition spd="med" p14:dur="700">
         <p:fade/>
       </p:transition>
     </mc:Choice>
-    <mc:Fallback>
+    <mc:Fallback xmlns="">
       <p:transition spd="med">
         <p:fade/>
       </p:transition>
@@ -21926,13 +22148,13 @@
   <p:clrMapOvr>
     <a:masterClrMapping/>
   </p:clrMapOvr>
-  <mc:AlternateContent xmlns:mc="http://schemas.openxmlformats.org/markup-compatibility/2006">
-    <mc:Choice xmlns:p14="http://schemas.microsoft.com/office/powerpoint/2010/main" Requires="p14">
+  <mc:AlternateContent xmlns:mc="http://schemas.openxmlformats.org/markup-compatibility/2006" xmlns:p14="http://schemas.microsoft.com/office/powerpoint/2010/main">
+    <mc:Choice Requires="p14">
       <p:transition spd="med" p14:dur="700">
         <p:fade/>
       </p:transition>
     </mc:Choice>
-    <mc:Fallback>
+    <mc:Fallback xmlns="">
       <p:transition spd="med">
         <p:fade/>
       </p:transition>
@@ -22297,13 +22519,13 @@
   <p:clrMapOvr>
     <a:masterClrMapping/>
   </p:clrMapOvr>
-  <mc:AlternateContent xmlns:mc="http://schemas.openxmlformats.org/markup-compatibility/2006">
-    <mc:Choice xmlns:p14="http://schemas.microsoft.com/office/powerpoint/2010/main" Requires="p14">
+  <mc:AlternateContent xmlns:mc="http://schemas.openxmlformats.org/markup-compatibility/2006" xmlns:p14="http://schemas.microsoft.com/office/powerpoint/2010/main">
+    <mc:Choice Requires="p14">
       <p:transition spd="med" p14:dur="700">
         <p:fade/>
       </p:transition>
     </mc:Choice>
-    <mc:Fallback>
+    <mc:Fallback xmlns="">
       <p:transition spd="med">
         <p:fade/>
       </p:transition>
@@ -22437,13 +22659,13 @@
   <p:clrMapOvr>
     <a:masterClrMapping/>
   </p:clrMapOvr>
-  <mc:AlternateContent xmlns:mc="http://schemas.openxmlformats.org/markup-compatibility/2006">
-    <mc:Choice xmlns:p14="http://schemas.microsoft.com/office/powerpoint/2010/main" Requires="p14">
+  <mc:AlternateContent xmlns:mc="http://schemas.openxmlformats.org/markup-compatibility/2006" xmlns:p14="http://schemas.microsoft.com/office/powerpoint/2010/main">
+    <mc:Choice Requires="p14">
       <p:transition spd="med" p14:dur="700">
         <p:fade/>
       </p:transition>
     </mc:Choice>
-    <mc:Fallback>
+    <mc:Fallback xmlns="">
       <p:transition spd="med">
         <p:fade/>
       </p:transition>
@@ -22508,13 +22730,13 @@
   <p:clrMapOvr>
     <a:masterClrMapping/>
   </p:clrMapOvr>
-  <mc:AlternateContent xmlns:mc="http://schemas.openxmlformats.org/markup-compatibility/2006">
-    <mc:Choice xmlns:p14="http://schemas.microsoft.com/office/powerpoint/2010/main" Requires="p14">
+  <mc:AlternateContent xmlns:mc="http://schemas.openxmlformats.org/markup-compatibility/2006" xmlns:p14="http://schemas.microsoft.com/office/powerpoint/2010/main">
+    <mc:Choice Requires="p14">
       <p:transition spd="med" p14:dur="700">
         <p:fade/>
       </p:transition>
     </mc:Choice>
-    <mc:Fallback>
+    <mc:Fallback xmlns="">
       <p:transition spd="med">
         <p:fade/>
       </p:transition>
@@ -23023,13 +23245,13 @@
   <p:clrMapOvr>
     <a:masterClrMapping/>
   </p:clrMapOvr>
-  <mc:AlternateContent xmlns:mc="http://schemas.openxmlformats.org/markup-compatibility/2006">
-    <mc:Choice xmlns:p14="http://schemas.microsoft.com/office/powerpoint/2010/main" Requires="p14">
+  <mc:AlternateContent xmlns:mc="http://schemas.openxmlformats.org/markup-compatibility/2006" xmlns:p14="http://schemas.microsoft.com/office/powerpoint/2010/main">
+    <mc:Choice Requires="p14">
       <p:transition spd="med" p14:dur="700">
         <p:fade/>
       </p:transition>
     </mc:Choice>
-    <mc:Fallback>
+    <mc:Fallback xmlns="">
       <p:transition spd="med">
         <p:fade/>
       </p:transition>
@@ -23531,13 +23753,13 @@
   <p:clrMapOvr>
     <a:masterClrMapping/>
   </p:clrMapOvr>
-  <mc:AlternateContent xmlns:mc="http://schemas.openxmlformats.org/markup-compatibility/2006">
-    <mc:Choice xmlns:p14="http://schemas.microsoft.com/office/powerpoint/2010/main" Requires="p14">
+  <mc:AlternateContent xmlns:mc="http://schemas.openxmlformats.org/markup-compatibility/2006" xmlns:p14="http://schemas.microsoft.com/office/powerpoint/2010/main">
+    <mc:Choice Requires="p14">
       <p:transition spd="med" p14:dur="700">
         <p:fade/>
       </p:transition>
     </mc:Choice>
-    <mc:Fallback>
+    <mc:Fallback xmlns="">
       <p:transition spd="med">
         <p:fade/>
       </p:transition>
@@ -23934,13 +24156,13 @@
   <p:clrMapOvr>
     <a:masterClrMapping/>
   </p:clrMapOvr>
-  <mc:AlternateContent xmlns:mc="http://schemas.openxmlformats.org/markup-compatibility/2006">
-    <mc:Choice xmlns:p14="http://schemas.microsoft.com/office/powerpoint/2010/main" Requires="p14">
+  <mc:AlternateContent xmlns:mc="http://schemas.openxmlformats.org/markup-compatibility/2006" xmlns:p14="http://schemas.microsoft.com/office/powerpoint/2010/main">
+    <mc:Choice Requires="p14">
       <p:transition spd="med" p14:dur="700">
         <p:fade/>
       </p:transition>
     </mc:Choice>
-    <mc:Fallback>
+    <mc:Fallback xmlns="">
       <p:transition spd="med">
         <p:fade/>
       </p:transition>
@@ -24069,13 +24291,13 @@
   <p:clrMapOvr>
     <a:masterClrMapping/>
   </p:clrMapOvr>
-  <mc:AlternateContent xmlns:mc="http://schemas.openxmlformats.org/markup-compatibility/2006">
-    <mc:Choice xmlns:p14="http://schemas.microsoft.com/office/powerpoint/2010/main" Requires="p14">
+  <mc:AlternateContent xmlns:mc="http://schemas.openxmlformats.org/markup-compatibility/2006" xmlns:p14="http://schemas.microsoft.com/office/powerpoint/2010/main">
+    <mc:Choice Requires="p14">
       <p:transition spd="med" p14:dur="700">
         <p:fade/>
       </p:transition>
     </mc:Choice>
-    <mc:Fallback>
+    <mc:Fallback xmlns="">
       <p:transition spd="med">
         <p:fade/>
       </p:transition>
@@ -24623,13 +24845,13 @@
   <p:clrMapOvr>
     <a:masterClrMapping/>
   </p:clrMapOvr>
-  <mc:AlternateContent xmlns:mc="http://schemas.openxmlformats.org/markup-compatibility/2006">
-    <mc:Choice xmlns:p14="http://schemas.microsoft.com/office/powerpoint/2010/main" Requires="p14">
+  <mc:AlternateContent xmlns:mc="http://schemas.openxmlformats.org/markup-compatibility/2006" xmlns:p14="http://schemas.microsoft.com/office/powerpoint/2010/main">
+    <mc:Choice Requires="p14">
       <p:transition spd="med" p14:dur="700">
         <p:fade/>
       </p:transition>
     </mc:Choice>
-    <mc:Fallback>
+    <mc:Fallback xmlns="">
       <p:transition spd="med">
         <p:fade/>
       </p:transition>
@@ -25764,13 +25986,13 @@
   <p:clrMapOvr>
     <a:masterClrMapping/>
   </p:clrMapOvr>
-  <mc:AlternateContent xmlns:mc="http://schemas.openxmlformats.org/markup-compatibility/2006">
-    <mc:Choice xmlns:p14="http://schemas.microsoft.com/office/powerpoint/2010/main" Requires="p14">
+  <mc:AlternateContent xmlns:mc="http://schemas.openxmlformats.org/markup-compatibility/2006" xmlns:p14="http://schemas.microsoft.com/office/powerpoint/2010/main">
+    <mc:Choice Requires="p14">
       <p:transition spd="med" p14:dur="700">
         <p:fade/>
       </p:transition>
     </mc:Choice>
-    <mc:Fallback>
+    <mc:Fallback xmlns="">
       <p:transition spd="med">
         <p:fade/>
       </p:transition>
@@ -26975,13 +27197,13 @@
   <p:clrMapOvr>
     <a:masterClrMapping/>
   </p:clrMapOvr>
-  <mc:AlternateContent xmlns:mc="http://schemas.openxmlformats.org/markup-compatibility/2006">
-    <mc:Choice xmlns:p14="http://schemas.microsoft.com/office/powerpoint/2010/main" Requires="p14">
+  <mc:AlternateContent xmlns:mc="http://schemas.openxmlformats.org/markup-compatibility/2006" xmlns:p14="http://schemas.microsoft.com/office/powerpoint/2010/main">
+    <mc:Choice Requires="p14">
       <p:transition spd="med" p14:dur="700">
         <p:fade/>
       </p:transition>
     </mc:Choice>
-    <mc:Fallback>
+    <mc:Fallback xmlns="">
       <p:transition spd="med">
         <p:fade/>
       </p:transition>
@@ -27410,13 +27632,13 @@
   <p:clrMapOvr>
     <a:masterClrMapping/>
   </p:clrMapOvr>
-  <mc:AlternateContent xmlns:mc="http://schemas.openxmlformats.org/markup-compatibility/2006">
-    <mc:Choice xmlns:p14="http://schemas.microsoft.com/office/powerpoint/2010/main" Requires="p14">
+  <mc:AlternateContent xmlns:mc="http://schemas.openxmlformats.org/markup-compatibility/2006" xmlns:p14="http://schemas.microsoft.com/office/powerpoint/2010/main">
+    <mc:Choice Requires="p14">
       <p:transition spd="med" p14:dur="700">
         <p:fade/>
       </p:transition>
     </mc:Choice>
-    <mc:Fallback>
+    <mc:Fallback xmlns="">
       <p:transition spd="med">
         <p:fade/>
       </p:transition>
@@ -27790,13 +28012,13 @@
   <p:clrMapOvr>
     <a:masterClrMapping/>
   </p:clrMapOvr>
-  <mc:AlternateContent xmlns:mc="http://schemas.openxmlformats.org/markup-compatibility/2006">
-    <mc:Choice xmlns:p14="http://schemas.microsoft.com/office/powerpoint/2010/main" Requires="p14">
+  <mc:AlternateContent xmlns:mc="http://schemas.openxmlformats.org/markup-compatibility/2006" xmlns:p14="http://schemas.microsoft.com/office/powerpoint/2010/main">
+    <mc:Choice Requires="p14">
       <p:transition spd="med" p14:dur="700">
         <p:fade/>
       </p:transition>
     </mc:Choice>
-    <mc:Fallback>
+    <mc:Fallback xmlns="">
       <p:transition spd="med">
         <p:fade/>
       </p:transition>
@@ -28231,13 +28453,13 @@
   <p:clrMapOvr>
     <a:masterClrMapping/>
   </p:clrMapOvr>
-  <mc:AlternateContent xmlns:mc="http://schemas.openxmlformats.org/markup-compatibility/2006">
-    <mc:Choice xmlns:p14="http://schemas.microsoft.com/office/powerpoint/2010/main" Requires="p14">
+  <mc:AlternateContent xmlns:mc="http://schemas.openxmlformats.org/markup-compatibility/2006" xmlns:p14="http://schemas.microsoft.com/office/powerpoint/2010/main">
+    <mc:Choice Requires="p14">
       <p:transition spd="med" p14:dur="700">
         <p:fade/>
       </p:transition>
     </mc:Choice>
-    <mc:Fallback>
+    <mc:Fallback xmlns="">
       <p:transition spd="med">
         <p:fade/>
       </p:transition>
@@ -28732,13 +28954,13 @@
   <p:clrMapOvr>
     <a:masterClrMapping/>
   </p:clrMapOvr>
-  <mc:AlternateContent xmlns:mc="http://schemas.openxmlformats.org/markup-compatibility/2006">
-    <mc:Choice xmlns:p14="http://schemas.microsoft.com/office/powerpoint/2010/main" Requires="p14">
+  <mc:AlternateContent xmlns:mc="http://schemas.openxmlformats.org/markup-compatibility/2006" xmlns:p14="http://schemas.microsoft.com/office/powerpoint/2010/main">
+    <mc:Choice Requires="p14">
       <p:transition spd="med" p14:dur="700">
         <p:fade/>
       </p:transition>
     </mc:Choice>
-    <mc:Fallback>
+    <mc:Fallback xmlns="">
       <p:transition spd="med">
         <p:fade/>
       </p:transition>
@@ -29364,13 +29586,13 @@
   <p:clrMapOvr>
     <a:masterClrMapping/>
   </p:clrMapOvr>
-  <mc:AlternateContent xmlns:mc="http://schemas.openxmlformats.org/markup-compatibility/2006">
-    <mc:Choice xmlns:p14="http://schemas.microsoft.com/office/powerpoint/2010/main" Requires="p14">
+  <mc:AlternateContent xmlns:mc="http://schemas.openxmlformats.org/markup-compatibility/2006" xmlns:p14="http://schemas.microsoft.com/office/powerpoint/2010/main">
+    <mc:Choice Requires="p14">
       <p:transition spd="med" p14:dur="700">
         <p:fade/>
       </p:transition>
     </mc:Choice>
-    <mc:Fallback>
+    <mc:Fallback xmlns="">
       <p:transition spd="med">
         <p:fade/>
       </p:transition>
@@ -29615,13 +29837,13 @@
   <p:clrMapOvr>
     <a:masterClrMapping/>
   </p:clrMapOvr>
-  <mc:AlternateContent xmlns:mc="http://schemas.openxmlformats.org/markup-compatibility/2006">
-    <mc:Choice xmlns:p14="http://schemas.microsoft.com/office/powerpoint/2010/main" Requires="p14">
+  <mc:AlternateContent xmlns:mc="http://schemas.openxmlformats.org/markup-compatibility/2006" xmlns:p14="http://schemas.microsoft.com/office/powerpoint/2010/main">
+    <mc:Choice Requires="p14">
       <p:transition spd="med" p14:dur="700">
         <p:fade/>
       </p:transition>
     </mc:Choice>
-    <mc:Fallback>
+    <mc:Fallback xmlns="">
       <p:transition spd="med">
         <p:fade/>
       </p:transition>
@@ -29941,13 +30163,13 @@
   <p:clrMapOvr>
     <a:masterClrMapping/>
   </p:clrMapOvr>
-  <mc:AlternateContent xmlns:mc="http://schemas.openxmlformats.org/markup-compatibility/2006">
-    <mc:Choice xmlns:p14="http://schemas.microsoft.com/office/powerpoint/2010/main" Requires="p14">
+  <mc:AlternateContent xmlns:mc="http://schemas.openxmlformats.org/markup-compatibility/2006" xmlns:p14="http://schemas.microsoft.com/office/powerpoint/2010/main">
+    <mc:Choice Requires="p14">
       <p:transition spd="med" p14:dur="700">
         <p:fade/>
       </p:transition>
     </mc:Choice>
-    <mc:Fallback>
+    <mc:Fallback xmlns="">
       <p:transition spd="med">
         <p:fade/>
       </p:transition>
@@ -30357,13 +30579,13 @@
   <p:clrMapOvr>
     <a:masterClrMapping/>
   </p:clrMapOvr>
-  <mc:AlternateContent xmlns:mc="http://schemas.openxmlformats.org/markup-compatibility/2006">
-    <mc:Choice xmlns:p14="http://schemas.microsoft.com/office/powerpoint/2010/main" Requires="p14">
+  <mc:AlternateContent xmlns:mc="http://schemas.openxmlformats.org/markup-compatibility/2006" xmlns:p14="http://schemas.microsoft.com/office/powerpoint/2010/main">
+    <mc:Choice Requires="p14">
       <p:transition spd="med" p14:dur="700">
         <p:fade/>
       </p:transition>
     </mc:Choice>
-    <mc:Fallback>
+    <mc:Fallback xmlns="">
       <p:transition spd="med">
         <p:fade/>
       </p:transition>
@@ -30753,13 +30975,13 @@
   <p:clrMapOvr>
     <a:masterClrMapping/>
   </p:clrMapOvr>
-  <mc:AlternateContent xmlns:mc="http://schemas.openxmlformats.org/markup-compatibility/2006">
-    <mc:Choice xmlns:p14="http://schemas.microsoft.com/office/powerpoint/2010/main" Requires="p14">
+  <mc:AlternateContent xmlns:mc="http://schemas.openxmlformats.org/markup-compatibility/2006" xmlns:p14="http://schemas.microsoft.com/office/powerpoint/2010/main">
+    <mc:Choice Requires="p14">
       <p:transition spd="med" p14:dur="700">
         <p:fade/>
       </p:transition>
     </mc:Choice>
-    <mc:Fallback>
+    <mc:Fallback xmlns="">
       <p:transition spd="med">
         <p:fade/>
       </p:transition>
@@ -31061,13 +31283,13 @@
   <p:clrMapOvr>
     <a:masterClrMapping/>
   </p:clrMapOvr>
-  <mc:AlternateContent xmlns:mc="http://schemas.openxmlformats.org/markup-compatibility/2006">
-    <mc:Choice xmlns:p14="http://schemas.microsoft.com/office/powerpoint/2010/main" Requires="p14">
+  <mc:AlternateContent xmlns:mc="http://schemas.openxmlformats.org/markup-compatibility/2006" xmlns:p14="http://schemas.microsoft.com/office/powerpoint/2010/main">
+    <mc:Choice Requires="p14">
       <p:transition spd="med" p14:dur="700">
         <p:fade/>
       </p:transition>
     </mc:Choice>
-    <mc:Fallback>
+    <mc:Fallback xmlns="">
       <p:transition spd="med">
         <p:fade/>
       </p:transition>
@@ -31614,13 +31836,13 @@
   <p:clrMapOvr>
     <a:masterClrMapping/>
   </p:clrMapOvr>
-  <mc:AlternateContent xmlns:mc="http://schemas.openxmlformats.org/markup-compatibility/2006">
-    <mc:Choice xmlns:p14="http://schemas.microsoft.com/office/powerpoint/2010/main" Requires="p14">
+  <mc:AlternateContent xmlns:mc="http://schemas.openxmlformats.org/markup-compatibility/2006" xmlns:p14="http://schemas.microsoft.com/office/powerpoint/2010/main">
+    <mc:Choice Requires="p14">
       <p:transition spd="med" p14:dur="700">
         <p:fade/>
       </p:transition>
     </mc:Choice>
-    <mc:Fallback>
+    <mc:Fallback xmlns="">
       <p:transition spd="med">
         <p:fade/>
       </p:transition>
@@ -32051,13 +32273,13 @@
   <p:clrMapOvr>
     <a:masterClrMapping/>
   </p:clrMapOvr>
-  <mc:AlternateContent xmlns:mc="http://schemas.openxmlformats.org/markup-compatibility/2006">
-    <mc:Choice xmlns:p14="http://schemas.microsoft.com/office/powerpoint/2010/main" Requires="p14">
+  <mc:AlternateContent xmlns:mc="http://schemas.openxmlformats.org/markup-compatibility/2006" xmlns:p14="http://schemas.microsoft.com/office/powerpoint/2010/main">
+    <mc:Choice Requires="p14">
       <p:transition spd="med" p14:dur="700">
         <p:fade/>
       </p:transition>
     </mc:Choice>
-    <mc:Fallback>
+    <mc:Fallback xmlns="">
       <p:transition spd="med">
         <p:fade/>
       </p:transition>
@@ -32420,13 +32642,13 @@
     <p:sldLayoutId id="2147483815" r:id="rId43"/>
     <p:sldLayoutId id="2147483828" r:id="rId44"/>
   </p:sldLayoutIdLst>
-  <mc:AlternateContent xmlns:mc="http://schemas.openxmlformats.org/markup-compatibility/2006">
-    <mc:Choice xmlns:p14="http://schemas.microsoft.com/office/powerpoint/2010/main" Requires="p14">
+  <mc:AlternateContent xmlns:mc="http://schemas.openxmlformats.org/markup-compatibility/2006" xmlns:p14="http://schemas.microsoft.com/office/powerpoint/2010/main">
+    <mc:Choice Requires="p14">
       <p:transition spd="med" p14:dur="700">
         <p:fade/>
       </p:transition>
     </mc:Choice>
-    <mc:Fallback>
+    <mc:Fallback xmlns="">
       <p:transition spd="med">
         <p:fade/>
       </p:transition>
@@ -32890,13 +33112,13 @@
   <p:clrMapOvr>
     <a:masterClrMapping/>
   </p:clrMapOvr>
-  <mc:AlternateContent xmlns:mc="http://schemas.openxmlformats.org/markup-compatibility/2006">
-    <mc:Choice xmlns:p14="http://schemas.microsoft.com/office/powerpoint/2010/main" Requires="p14">
+  <mc:AlternateContent xmlns:mc="http://schemas.openxmlformats.org/markup-compatibility/2006" xmlns:p14="http://schemas.microsoft.com/office/powerpoint/2010/main">
+    <mc:Choice Requires="p14">
       <p:transition spd="med" p14:dur="700">
         <p:fade/>
       </p:transition>
     </mc:Choice>
-    <mc:Fallback>
+    <mc:Fallback xmlns="">
       <p:transition spd="med">
         <p:fade/>
       </p:transition>
@@ -33036,13 +33258,13 @@
   <p:clrMapOvr>
     <a:masterClrMapping/>
   </p:clrMapOvr>
-  <mc:AlternateContent xmlns:mc="http://schemas.openxmlformats.org/markup-compatibility/2006">
-    <mc:Choice xmlns:p14="http://schemas.microsoft.com/office/powerpoint/2010/main" Requires="p14">
+  <mc:AlternateContent xmlns:mc="http://schemas.openxmlformats.org/markup-compatibility/2006" xmlns:p14="http://schemas.microsoft.com/office/powerpoint/2010/main">
+    <mc:Choice Requires="p14">
       <p:transition spd="med" p14:dur="700">
         <p:fade/>
       </p:transition>
     </mc:Choice>
-    <mc:Fallback>
+    <mc:Fallback xmlns="">
       <p:transition spd="med">
         <p:fade/>
       </p:transition>
@@ -33068,66 +33290,9 @@
           <a:chExt cx="0" cy="0"/>
         </a:xfrm>
       </p:grpSpPr>
-      <p:sp>
-        <p:nvSpPr>
-          <p:cNvPr id="2" name="Title 1">
-            <a:extLst>
-              <a:ext uri="{FF2B5EF4-FFF2-40B4-BE49-F238E27FC236}">
-                <a16:creationId xmlns:a16="http://schemas.microsoft.com/office/drawing/2014/main" id="{B80EDFE8-6786-8F52-4354-7D0BF6098379}"/>
-              </a:ext>
-            </a:extLst>
-          </p:cNvPr>
-          <p:cNvSpPr>
-            <a:spLocks noGrp="1"/>
-          </p:cNvSpPr>
-          <p:nvPr>
-            <p:ph type="title"/>
-          </p:nvPr>
-        </p:nvSpPr>
-        <p:spPr/>
-        <p:txBody>
-          <a:bodyPr/>
-          <a:lstStyle/>
-          <a:p>
-            <a:r>
-              <a:rPr lang="en-NL" dirty="0"/>
-              <a:t>Focus NOT for this workshop</a:t>
-            </a:r>
-          </a:p>
-        </p:txBody>
-      </p:sp>
-      <p:sp>
-        <p:nvSpPr>
-          <p:cNvPr id="4" name="Slide Number Placeholder 3">
-            <a:extLst>
-              <a:ext uri="{FF2B5EF4-FFF2-40B4-BE49-F238E27FC236}">
-                <a16:creationId xmlns:a16="http://schemas.microsoft.com/office/drawing/2014/main" id="{690653F7-5169-FA28-3549-15E2755C001D}"/>
-              </a:ext>
-            </a:extLst>
-          </p:cNvPr>
-          <p:cNvSpPr>
-            <a:spLocks noGrp="1"/>
-          </p:cNvSpPr>
-          <p:nvPr>
-            <p:ph type="sldNum" sz="quarter" idx="4"/>
-          </p:nvPr>
-        </p:nvSpPr>
-        <p:spPr/>
-        <p:txBody>
-          <a:bodyPr/>
-          <a:lstStyle/>
-          <a:p>
-            <a:fld id="{525A3C56-E491-49B2-93F3-63532DF516BC}" type="slidenum">
-              <a:rPr lang="en-CA" smtClean="0"/>
-              <a:t>11</a:t>
-            </a:fld>
-            <a:endParaRPr lang="en-CA"/>
-          </a:p>
-        </p:txBody>
-      </p:sp>
       <p:pic>
         <p:nvPicPr>
-          <p:cNvPr id="1026" name="Picture 2">
+          <p:cNvPr id="1026" name="Picture 2" descr="A blue line drawing of various electronic devices&#10;&#10;Description automatically generated with medium confidence">
             <a:extLst>
               <a:ext uri="{FF2B5EF4-FFF2-40B4-BE49-F238E27FC236}">
                 <a16:creationId xmlns:a16="http://schemas.microsoft.com/office/drawing/2014/main" id="{A5B9229B-636E-E910-4268-F9FD825F5EBD}"/>
@@ -33147,18 +33312,19 @@
               </a:ext>
             </a:extLst>
           </a:blip>
-          <a:srcRect/>
           <a:stretch/>
         </p:blipFill>
         <p:spPr bwMode="auto">
           <a:xfrm>
-            <a:off x="2278823" y="1620878"/>
-            <a:ext cx="7634353" cy="3994719"/>
+            <a:off x="6132513" y="2044276"/>
+            <a:ext cx="5292725" cy="2769449"/>
           </a:xfrm>
           <a:prstGeom prst="rect">
             <a:avLst/>
           </a:prstGeom>
-          <a:noFill/>
+          <a:solidFill>
+            <a:srgbClr val="FFFFFF"/>
+          </a:solidFill>
           <a:extLst>
             <a:ext uri="{909E8E84-426E-40DD-AFC4-6F175D3DCCD1}">
               <a14:hiddenFill xmlns:a14="http://schemas.microsoft.com/office/drawing/2010/main">
@@ -33170,6 +33336,233 @@
           </a:extLst>
         </p:spPr>
       </p:pic>
+      <p:sp>
+        <p:nvSpPr>
+          <p:cNvPr id="2" name="Title 1">
+            <a:extLst>
+              <a:ext uri="{FF2B5EF4-FFF2-40B4-BE49-F238E27FC236}">
+                <a16:creationId xmlns:a16="http://schemas.microsoft.com/office/drawing/2014/main" id="{B80EDFE8-6786-8F52-4354-7D0BF6098379}"/>
+              </a:ext>
+            </a:extLst>
+          </p:cNvPr>
+          <p:cNvSpPr>
+            <a:spLocks noGrp="1"/>
+          </p:cNvSpPr>
+          <p:nvPr>
+            <p:ph type="title"/>
+          </p:nvPr>
+        </p:nvSpPr>
+        <p:spPr>
+          <a:xfrm>
+            <a:off x="766763" y="684000"/>
+            <a:ext cx="4608512" cy="626302"/>
+          </a:xfrm>
+        </p:spPr>
+        <p:txBody>
+          <a:bodyPr vert="horz" lIns="0" tIns="0" rIns="0" bIns="0" rtlCol="0" anchor="t" anchorCtr="0">
+            <a:normAutofit/>
+          </a:bodyPr>
+          <a:lstStyle/>
+          <a:p>
+            <a:r>
+              <a:rPr lang="en-US" kern="1200">
+                <a:latin typeface="Arial" pitchFamily="34" charset="0"/>
+                <a:ea typeface="+mj-ea"/>
+                <a:cs typeface="+mj-cs"/>
+              </a:rPr>
+              <a:t>Focus NOT for this workshop</a:t>
+            </a:r>
+          </a:p>
+        </p:txBody>
+      </p:sp>
+      <p:sp>
+        <p:nvSpPr>
+          <p:cNvPr id="3" name="TextBox 2">
+            <a:extLst>
+              <a:ext uri="{FF2B5EF4-FFF2-40B4-BE49-F238E27FC236}">
+                <a16:creationId xmlns:a16="http://schemas.microsoft.com/office/drawing/2014/main" id="{0C1B5AEF-F8D4-938D-9E14-95E8B6F97A20}"/>
+              </a:ext>
+            </a:extLst>
+          </p:cNvPr>
+          <p:cNvSpPr txBox="1"/>
+          <p:nvPr/>
+        </p:nvSpPr>
+        <p:spPr>
+          <a:xfrm>
+            <a:off x="766763" y="1656522"/>
+            <a:ext cx="4608512" cy="4436304"/>
+          </a:xfrm>
+          <a:prstGeom prst="rect">
+            <a:avLst/>
+          </a:prstGeom>
+        </p:spPr>
+        <p:txBody>
+          <a:bodyPr vert="horz" lIns="0" tIns="0" rIns="0" bIns="0" rtlCol="0" anchorCtr="0">
+            <a:normAutofit/>
+          </a:bodyPr>
+          <a:lstStyle/>
+          <a:p>
+            <a:pPr marL="285750" indent="-285750">
+              <a:spcBef>
+                <a:spcPts val="500"/>
+              </a:spcBef>
+              <a:buClr>
+                <a:schemeClr val="tx1"/>
+              </a:buClr>
+              <a:buFont typeface="Arial" panose="020B0604020202020204" pitchFamily="34" charset="0"/>
+              <a:buChar char="•"/>
+            </a:pPr>
+            <a:r>
+              <a:rPr lang="en-US" sz="2000" dirty="0">
+                <a:latin typeface="Arial" pitchFamily="34" charset="0"/>
+              </a:rPr>
+              <a:t>Look and feel</a:t>
+            </a:r>
+          </a:p>
+          <a:p>
+            <a:pPr marL="285750" indent="-285750">
+              <a:spcBef>
+                <a:spcPts val="500"/>
+              </a:spcBef>
+              <a:buClr>
+                <a:schemeClr val="tx1"/>
+              </a:buClr>
+              <a:buFont typeface="Arial" panose="020B0604020202020204" pitchFamily="34" charset="0"/>
+              <a:buChar char="•"/>
+            </a:pPr>
+            <a:r>
+              <a:rPr lang="en-US" sz="2000" dirty="0">
+                <a:latin typeface="Arial" pitchFamily="34" charset="0"/>
+              </a:rPr>
+              <a:t>UI: Buttons, </a:t>
+            </a:r>
+            <a:r>
+              <a:rPr lang="en-US" sz="2000" dirty="0" err="1">
+                <a:latin typeface="Arial" pitchFamily="34" charset="0"/>
+              </a:rPr>
+              <a:t>colours</a:t>
+            </a:r>
+            <a:r>
+              <a:rPr lang="en-US" sz="2000" dirty="0">
+                <a:latin typeface="Arial" pitchFamily="34" charset="0"/>
+              </a:rPr>
+              <a:t>, fonts, images, layout</a:t>
+            </a:r>
+          </a:p>
+          <a:p>
+            <a:pPr marL="285750" indent="-285750">
+              <a:spcBef>
+                <a:spcPts val="500"/>
+              </a:spcBef>
+              <a:buClr>
+                <a:schemeClr val="tx1"/>
+              </a:buClr>
+              <a:buFont typeface="Arial" panose="020B0604020202020204" pitchFamily="34" charset="0"/>
+              <a:buChar char="•"/>
+            </a:pPr>
+            <a:r>
+              <a:rPr lang="en-US" sz="2000" dirty="0">
+                <a:latin typeface="Arial" pitchFamily="34" charset="0"/>
+              </a:rPr>
+              <a:t>UX: Overall experience</a:t>
+            </a:r>
+          </a:p>
+          <a:p>
+            <a:pPr marL="285750" indent="-285750">
+              <a:spcBef>
+                <a:spcPts val="500"/>
+              </a:spcBef>
+              <a:buClr>
+                <a:schemeClr val="tx1"/>
+              </a:buClr>
+              <a:buFont typeface="Arial" panose="020B0604020202020204" pitchFamily="34" charset="0"/>
+              <a:buChar char="•"/>
+            </a:pPr>
+            <a:endParaRPr lang="en-US" sz="2000" dirty="0">
+              <a:latin typeface="Arial" pitchFamily="34" charset="0"/>
+            </a:endParaRPr>
+          </a:p>
+          <a:p>
+            <a:pPr marL="285750" indent="-285750">
+              <a:spcBef>
+                <a:spcPts val="500"/>
+              </a:spcBef>
+              <a:buClr>
+                <a:schemeClr val="tx1"/>
+              </a:buClr>
+              <a:buFont typeface="Arial" panose="020B0604020202020204" pitchFamily="34" charset="0"/>
+              <a:buChar char="•"/>
+            </a:pPr>
+            <a:r>
+              <a:rPr lang="en-US" sz="2000" dirty="0">
+                <a:latin typeface="Arial" pitchFamily="34" charset="0"/>
+              </a:rPr>
+              <a:t>A difference branch of IT</a:t>
+            </a:r>
+          </a:p>
+          <a:p>
+            <a:pPr marL="285750" indent="-285750">
+              <a:spcBef>
+                <a:spcPts val="500"/>
+              </a:spcBef>
+              <a:buClr>
+                <a:schemeClr val="tx1"/>
+              </a:buClr>
+              <a:buFont typeface="Arial" panose="020B0604020202020204" pitchFamily="34" charset="0"/>
+              <a:buChar char="•"/>
+            </a:pPr>
+            <a:endParaRPr lang="en-US" sz="2000" dirty="0">
+              <a:latin typeface="Arial" pitchFamily="34" charset="0"/>
+            </a:endParaRPr>
+          </a:p>
+        </p:txBody>
+      </p:sp>
+      <p:sp>
+        <p:nvSpPr>
+          <p:cNvPr id="4" name="Slide Number Placeholder 3">
+            <a:extLst>
+              <a:ext uri="{FF2B5EF4-FFF2-40B4-BE49-F238E27FC236}">
+                <a16:creationId xmlns:a16="http://schemas.microsoft.com/office/drawing/2014/main" id="{690653F7-5169-FA28-3549-15E2755C001D}"/>
+              </a:ext>
+            </a:extLst>
+          </p:cNvPr>
+          <p:cNvSpPr>
+            <a:spLocks noGrp="1"/>
+          </p:cNvSpPr>
+          <p:nvPr>
+            <p:ph type="sldNum" sz="quarter" idx="4"/>
+          </p:nvPr>
+        </p:nvSpPr>
+        <p:spPr>
+          <a:xfrm>
+            <a:off x="11163034" y="6264308"/>
+            <a:ext cx="261660" cy="169200"/>
+          </a:xfrm>
+        </p:spPr>
+        <p:txBody>
+          <a:bodyPr wrap="square" lIns="0" tIns="0" rIns="0" bIns="0" anchor="ctr" anchorCtr="0">
+            <a:normAutofit/>
+          </a:bodyPr>
+          <a:lstStyle/>
+          <a:p>
+            <a:pPr>
+              <a:spcAft>
+                <a:spcPts val="600"/>
+              </a:spcAft>
+            </a:pPr>
+            <a:fld id="{525A3C56-E491-49B2-93F3-63532DF516BC}" type="slidenum">
+              <a:rPr lang="en-CA" smtClean="0"/>
+              <a:pPr>
+                <a:spcAft>
+                  <a:spcPts val="600"/>
+                </a:spcAft>
+              </a:pPr>
+              <a:t>11</a:t>
+            </a:fld>
+            <a:endParaRPr lang="en-CA"/>
+          </a:p>
+        </p:txBody>
+      </p:sp>
     </p:spTree>
     <p:extLst>
       <p:ext uri="{BB962C8B-B14F-4D97-AF65-F5344CB8AC3E}">
@@ -33180,13 +33573,13 @@
   <p:clrMapOvr>
     <a:masterClrMapping/>
   </p:clrMapOvr>
-  <mc:AlternateContent xmlns:mc="http://schemas.openxmlformats.org/markup-compatibility/2006">
-    <mc:Choice xmlns:p14="http://schemas.microsoft.com/office/powerpoint/2010/main" Requires="p14">
+  <mc:AlternateContent xmlns:mc="http://schemas.openxmlformats.org/markup-compatibility/2006" xmlns:p14="http://schemas.microsoft.com/office/powerpoint/2010/main">
+    <mc:Choice Requires="p14">
       <p:transition spd="med" p14:dur="700">
         <p:fade/>
       </p:transition>
     </mc:Choice>
-    <mc:Fallback>
+    <mc:Fallback xmlns="">
       <p:transition spd="med">
         <p:fade/>
       </p:transition>
@@ -33375,13 +33768,13 @@
   <p:clrMapOvr>
     <a:masterClrMapping/>
   </p:clrMapOvr>
-  <mc:AlternateContent xmlns:mc="http://schemas.openxmlformats.org/markup-compatibility/2006">
-    <mc:Choice xmlns:p14="http://schemas.microsoft.com/office/powerpoint/2010/main" Requires="p14">
+  <mc:AlternateContent xmlns:mc="http://schemas.openxmlformats.org/markup-compatibility/2006" xmlns:p14="http://schemas.microsoft.com/office/powerpoint/2010/main">
+    <mc:Choice Requires="p14">
       <p:transition spd="med" p14:dur="700">
         <p:fade/>
       </p:transition>
     </mc:Choice>
-    <mc:Fallback>
+    <mc:Fallback xmlns="">
       <p:transition spd="med">
         <p:fade/>
       </p:transition>
@@ -33593,13 +33986,13 @@
   <p:clrMapOvr>
     <a:masterClrMapping/>
   </p:clrMapOvr>
-  <mc:AlternateContent xmlns:mc="http://schemas.openxmlformats.org/markup-compatibility/2006">
-    <mc:Choice xmlns:p14="http://schemas.microsoft.com/office/powerpoint/2010/main" Requires="p14">
+  <mc:AlternateContent xmlns:mc="http://schemas.openxmlformats.org/markup-compatibility/2006" xmlns:p14="http://schemas.microsoft.com/office/powerpoint/2010/main">
+    <mc:Choice Requires="p14">
       <p:transition spd="med" p14:dur="700">
         <p:fade/>
       </p:transition>
     </mc:Choice>
-    <mc:Fallback>
+    <mc:Fallback xmlns="">
       <p:transition spd="med">
         <p:fade/>
       </p:transition>
@@ -33806,13 +34199,13 @@
   <p:clrMapOvr>
     <a:masterClrMapping/>
   </p:clrMapOvr>
-  <mc:AlternateContent xmlns:mc="http://schemas.openxmlformats.org/markup-compatibility/2006">
-    <mc:Choice xmlns:p14="http://schemas.microsoft.com/office/powerpoint/2010/main" Requires="p14">
+  <mc:AlternateContent xmlns:mc="http://schemas.openxmlformats.org/markup-compatibility/2006" xmlns:p14="http://schemas.microsoft.com/office/powerpoint/2010/main">
+    <mc:Choice Requires="p14">
       <p:transition spd="med" p14:dur="700">
         <p:fade/>
       </p:transition>
     </mc:Choice>
-    <mc:Fallback>
+    <mc:Fallback xmlns="">
       <p:transition spd="med">
         <p:fade/>
       </p:transition>
@@ -34019,13 +34412,13 @@
   <p:clrMapOvr>
     <a:masterClrMapping/>
   </p:clrMapOvr>
-  <mc:AlternateContent xmlns:mc="http://schemas.openxmlformats.org/markup-compatibility/2006">
-    <mc:Choice xmlns:p14="http://schemas.microsoft.com/office/powerpoint/2010/main" Requires="p14">
+  <mc:AlternateContent xmlns:mc="http://schemas.openxmlformats.org/markup-compatibility/2006" xmlns:p14="http://schemas.microsoft.com/office/powerpoint/2010/main">
+    <mc:Choice Requires="p14">
       <p:transition spd="med" p14:dur="700">
         <p:fade/>
       </p:transition>
     </mc:Choice>
-    <mc:Fallback>
+    <mc:Fallback xmlns="">
       <p:transition spd="med">
         <p:fade/>
       </p:transition>
@@ -34143,13 +34536,13 @@
   <p:clrMapOvr>
     <a:masterClrMapping/>
   </p:clrMapOvr>
-  <mc:AlternateContent xmlns:mc="http://schemas.openxmlformats.org/markup-compatibility/2006">
-    <mc:Choice xmlns:p14="http://schemas.microsoft.com/office/powerpoint/2010/main" Requires="p14">
+  <mc:AlternateContent xmlns:mc="http://schemas.openxmlformats.org/markup-compatibility/2006" xmlns:p14="http://schemas.microsoft.com/office/powerpoint/2010/main">
+    <mc:Choice Requires="p14">
       <p:transition spd="med" p14:dur="700">
         <p:fade/>
       </p:transition>
     </mc:Choice>
-    <mc:Fallback>
+    <mc:Fallback xmlns="">
       <p:transition spd="med">
         <p:fade/>
       </p:transition>
@@ -34270,13 +34663,13 @@
   <p:clrMapOvr>
     <a:masterClrMapping/>
   </p:clrMapOvr>
-  <mc:AlternateContent xmlns:mc="http://schemas.openxmlformats.org/markup-compatibility/2006">
-    <mc:Choice xmlns:p14="http://schemas.microsoft.com/office/powerpoint/2010/main" Requires="p14">
+  <mc:AlternateContent xmlns:mc="http://schemas.openxmlformats.org/markup-compatibility/2006" xmlns:p14="http://schemas.microsoft.com/office/powerpoint/2010/main">
+    <mc:Choice Requires="p14">
       <p:transition spd="med" p14:dur="700">
         <p:fade/>
       </p:transition>
     </mc:Choice>
-    <mc:Fallback>
+    <mc:Fallback xmlns="">
       <p:transition spd="med">
         <p:fade/>
       </p:transition>
@@ -34397,13 +34790,13 @@
   <p:clrMapOvr>
     <a:masterClrMapping/>
   </p:clrMapOvr>
-  <mc:AlternateContent xmlns:mc="http://schemas.openxmlformats.org/markup-compatibility/2006">
-    <mc:Choice xmlns:p14="http://schemas.microsoft.com/office/powerpoint/2010/main" Requires="p14">
+  <mc:AlternateContent xmlns:mc="http://schemas.openxmlformats.org/markup-compatibility/2006" xmlns:p14="http://schemas.microsoft.com/office/powerpoint/2010/main">
+    <mc:Choice Requires="p14">
       <p:transition spd="med" p14:dur="700">
         <p:fade/>
       </p:transition>
     </mc:Choice>
-    <mc:Fallback>
+    <mc:Fallback xmlns="">
       <p:transition spd="med">
         <p:fade/>
       </p:transition>
@@ -34524,13 +34917,13 @@
   <p:clrMapOvr>
     <a:masterClrMapping/>
   </p:clrMapOvr>
-  <mc:AlternateContent xmlns:mc="http://schemas.openxmlformats.org/markup-compatibility/2006">
-    <mc:Choice xmlns:p14="http://schemas.microsoft.com/office/powerpoint/2010/main" Requires="p14">
+  <mc:AlternateContent xmlns:mc="http://schemas.openxmlformats.org/markup-compatibility/2006" xmlns:p14="http://schemas.microsoft.com/office/powerpoint/2010/main">
+    <mc:Choice Requires="p14">
       <p:transition spd="med" p14:dur="700">
         <p:fade/>
       </p:transition>
     </mc:Choice>
-    <mc:Fallback>
+    <mc:Fallback xmlns="">
       <p:transition spd="med">
         <p:fade/>
       </p:transition>
@@ -34859,13 +35252,13 @@
   <p:clrMapOvr>
     <a:masterClrMapping/>
   </p:clrMapOvr>
-  <mc:AlternateContent xmlns:mc="http://schemas.openxmlformats.org/markup-compatibility/2006">
-    <mc:Choice xmlns:p14="http://schemas.microsoft.com/office/powerpoint/2010/main" Requires="p14">
+  <mc:AlternateContent xmlns:mc="http://schemas.openxmlformats.org/markup-compatibility/2006" xmlns:p14="http://schemas.microsoft.com/office/powerpoint/2010/main">
+    <mc:Choice Requires="p14">
       <p:transition spd="med" p14:dur="700">
         <p:fade/>
       </p:transition>
     </mc:Choice>
-    <mc:Fallback>
+    <mc:Fallback xmlns="">
       <p:transition spd="med">
         <p:fade/>
       </p:transition>
@@ -34986,13 +35379,13 @@
   <p:clrMapOvr>
     <a:masterClrMapping/>
   </p:clrMapOvr>
-  <mc:AlternateContent xmlns:mc="http://schemas.openxmlformats.org/markup-compatibility/2006">
-    <mc:Choice xmlns:p14="http://schemas.microsoft.com/office/powerpoint/2010/main" Requires="p14">
+  <mc:AlternateContent xmlns:mc="http://schemas.openxmlformats.org/markup-compatibility/2006" xmlns:p14="http://schemas.microsoft.com/office/powerpoint/2010/main">
+    <mc:Choice Requires="p14">
       <p:transition spd="med" p14:dur="700">
         <p:fade/>
       </p:transition>
     </mc:Choice>
-    <mc:Fallback>
+    <mc:Fallback xmlns="">
       <p:transition spd="med">
         <p:fade/>
       </p:transition>
@@ -35132,13 +35525,13 @@
   <p:clrMapOvr>
     <a:masterClrMapping/>
   </p:clrMapOvr>
-  <mc:AlternateContent xmlns:mc="http://schemas.openxmlformats.org/markup-compatibility/2006">
-    <mc:Choice xmlns:p14="http://schemas.microsoft.com/office/powerpoint/2010/main" Requires="p14">
+  <mc:AlternateContent xmlns:mc="http://schemas.openxmlformats.org/markup-compatibility/2006" xmlns:p14="http://schemas.microsoft.com/office/powerpoint/2010/main">
+    <mc:Choice Requires="p14">
       <p:transition spd="med" p14:dur="700">
         <p:fade/>
       </p:transition>
     </mc:Choice>
-    <mc:Fallback>
+    <mc:Fallback xmlns="">
       <p:transition spd="med">
         <p:fade/>
       </p:transition>
@@ -35296,13 +35689,13 @@
   <p:clrMapOvr>
     <a:masterClrMapping/>
   </p:clrMapOvr>
-  <mc:AlternateContent xmlns:mc="http://schemas.openxmlformats.org/markup-compatibility/2006">
-    <mc:Choice xmlns:p14="http://schemas.microsoft.com/office/powerpoint/2010/main" Requires="p14">
+  <mc:AlternateContent xmlns:mc="http://schemas.openxmlformats.org/markup-compatibility/2006" xmlns:p14="http://schemas.microsoft.com/office/powerpoint/2010/main">
+    <mc:Choice Requires="p14">
       <p:transition spd="med" p14:dur="700">
         <p:fade/>
       </p:transition>
     </mc:Choice>
-    <mc:Fallback>
+    <mc:Fallback xmlns="">
       <p:transition spd="med">
         <p:fade/>
       </p:transition>
@@ -35456,13 +35849,13 @@
   <p:clrMapOvr>
     <a:masterClrMapping/>
   </p:clrMapOvr>
-  <mc:AlternateContent xmlns:mc="http://schemas.openxmlformats.org/markup-compatibility/2006">
-    <mc:Choice xmlns:p14="http://schemas.microsoft.com/office/powerpoint/2010/main" Requires="p14">
+  <mc:AlternateContent xmlns:mc="http://schemas.openxmlformats.org/markup-compatibility/2006" xmlns:p14="http://schemas.microsoft.com/office/powerpoint/2010/main">
+    <mc:Choice Requires="p14">
       <p:transition spd="med" p14:dur="700">
         <p:fade/>
       </p:transition>
     </mc:Choice>
-    <mc:Fallback>
+    <mc:Fallback xmlns="">
       <p:transition spd="med">
         <p:fade/>
       </p:transition>
@@ -35697,13 +36090,13 @@
   <p:clrMapOvr>
     <a:masterClrMapping/>
   </p:clrMapOvr>
-  <mc:AlternateContent xmlns:mc="http://schemas.openxmlformats.org/markup-compatibility/2006">
-    <mc:Choice xmlns:p14="http://schemas.microsoft.com/office/powerpoint/2010/main" Requires="p14">
+  <mc:AlternateContent xmlns:mc="http://schemas.openxmlformats.org/markup-compatibility/2006" xmlns:p14="http://schemas.microsoft.com/office/powerpoint/2010/main">
+    <mc:Choice Requires="p14">
       <p:transition spd="med" p14:dur="700">
         <p:fade/>
       </p:transition>
     </mc:Choice>
-    <mc:Fallback>
+    <mc:Fallback xmlns="">
       <p:transition spd="med">
         <p:fade/>
       </p:transition>
@@ -35851,13 +36244,13 @@
   <p:clrMapOvr>
     <a:masterClrMapping/>
   </p:clrMapOvr>
-  <mc:AlternateContent xmlns:mc="http://schemas.openxmlformats.org/markup-compatibility/2006">
-    <mc:Choice xmlns:p14="http://schemas.microsoft.com/office/powerpoint/2010/main" Requires="p14">
+  <mc:AlternateContent xmlns:mc="http://schemas.openxmlformats.org/markup-compatibility/2006" xmlns:p14="http://schemas.microsoft.com/office/powerpoint/2010/main">
+    <mc:Choice Requires="p14">
       <p:transition spd="med" p14:dur="700">
         <p:fade/>
       </p:transition>
     </mc:Choice>
-    <mc:Fallback>
+    <mc:Fallback xmlns="">
       <p:transition spd="med">
         <p:fade/>
       </p:transition>
@@ -36060,13 +36453,13 @@
   <p:clrMapOvr>
     <a:masterClrMapping/>
   </p:clrMapOvr>
-  <mc:AlternateContent xmlns:mc="http://schemas.openxmlformats.org/markup-compatibility/2006">
-    <mc:Choice xmlns:p14="http://schemas.microsoft.com/office/powerpoint/2010/main" Requires="p14">
+  <mc:AlternateContent xmlns:mc="http://schemas.openxmlformats.org/markup-compatibility/2006" xmlns:p14="http://schemas.microsoft.com/office/powerpoint/2010/main">
+    <mc:Choice Requires="p14">
       <p:transition spd="med" p14:dur="700">
         <p:fade/>
       </p:transition>
     </mc:Choice>
-    <mc:Fallback>
+    <mc:Fallback xmlns="">
       <p:transition spd="med">
         <p:fade/>
       </p:transition>
@@ -36184,13 +36577,13 @@
   <p:clrMapOvr>
     <a:masterClrMapping/>
   </p:clrMapOvr>
-  <mc:AlternateContent xmlns:mc="http://schemas.openxmlformats.org/markup-compatibility/2006">
-    <mc:Choice xmlns:p14="http://schemas.microsoft.com/office/powerpoint/2010/main" Requires="p14">
+  <mc:AlternateContent xmlns:mc="http://schemas.openxmlformats.org/markup-compatibility/2006" xmlns:p14="http://schemas.microsoft.com/office/powerpoint/2010/main">
+    <mc:Choice Requires="p14">
       <p:transition spd="med" p14:dur="700">
         <p:fade/>
       </p:transition>
     </mc:Choice>
-    <mc:Fallback>
+    <mc:Fallback xmlns="">
       <p:transition spd="med">
         <p:fade/>
       </p:transition>
@@ -36311,13 +36704,13 @@
   <p:clrMapOvr>
     <a:masterClrMapping/>
   </p:clrMapOvr>
-  <mc:AlternateContent xmlns:mc="http://schemas.openxmlformats.org/markup-compatibility/2006">
-    <mc:Choice xmlns:p14="http://schemas.microsoft.com/office/powerpoint/2010/main" Requires="p14">
+  <mc:AlternateContent xmlns:mc="http://schemas.openxmlformats.org/markup-compatibility/2006" xmlns:p14="http://schemas.microsoft.com/office/powerpoint/2010/main">
+    <mc:Choice Requires="p14">
       <p:transition spd="med" p14:dur="700">
         <p:fade/>
       </p:transition>
     </mc:Choice>
-    <mc:Fallback>
+    <mc:Fallback xmlns="">
       <p:transition spd="med">
         <p:fade/>
       </p:transition>
@@ -36438,13 +36831,13 @@
   <p:clrMapOvr>
     <a:masterClrMapping/>
   </p:clrMapOvr>
-  <mc:AlternateContent xmlns:mc="http://schemas.openxmlformats.org/markup-compatibility/2006">
-    <mc:Choice xmlns:p14="http://schemas.microsoft.com/office/powerpoint/2010/main" Requires="p14">
+  <mc:AlternateContent xmlns:mc="http://schemas.openxmlformats.org/markup-compatibility/2006" xmlns:p14="http://schemas.microsoft.com/office/powerpoint/2010/main">
+    <mc:Choice Requires="p14">
       <p:transition spd="med" p14:dur="700">
         <p:fade/>
       </p:transition>
     </mc:Choice>
-    <mc:Fallback>
+    <mc:Fallback xmlns="">
       <p:transition spd="med">
         <p:fade/>
       </p:transition>
@@ -36698,13 +37091,13 @@
   <p:clrMapOvr>
     <a:masterClrMapping/>
   </p:clrMapOvr>
-  <mc:AlternateContent xmlns:mc="http://schemas.openxmlformats.org/markup-compatibility/2006">
-    <mc:Choice xmlns:p14="http://schemas.microsoft.com/office/powerpoint/2010/main" Requires="p14">
+  <mc:AlternateContent xmlns:mc="http://schemas.openxmlformats.org/markup-compatibility/2006" xmlns:p14="http://schemas.microsoft.com/office/powerpoint/2010/main">
+    <mc:Choice Requires="p14">
       <p:transition spd="med" p14:dur="700">
         <p:fade/>
       </p:transition>
     </mc:Choice>
-    <mc:Fallback>
+    <mc:Fallback xmlns="">
       <p:transition spd="med">
         <p:fade/>
       </p:transition>
@@ -36769,8 +37162,8 @@
               <a:buChar char="•"/>
             </a:pPr>
             <a:r>
-              <a:rPr lang="en-NL" sz="1900"/>
-              <a:t>Conditional rendering</a:t>
+              <a:rPr lang="en-NL" sz="1900" dirty="0"/>
+              <a:t>Extracting rendering to a function</a:t>
             </a:r>
           </a:p>
           <a:p>
@@ -36785,8 +37178,8 @@
               <a:buChar char="•"/>
             </a:pPr>
             <a:r>
-              <a:rPr lang="en-NL" sz="1900"/>
-              <a:t>Extracting rendering to a function</a:t>
+              <a:rPr lang="en-NL" sz="1900" dirty="0"/>
+              <a:t>Conditional rendering</a:t>
             </a:r>
           </a:p>
           <a:p>
@@ -36801,7 +37194,7 @@
               <a:buChar char="•"/>
             </a:pPr>
             <a:r>
-              <a:rPr lang="en-NL" sz="1900"/>
+              <a:rPr lang="en-NL" sz="1900" dirty="0"/>
               <a:t>Rendering lists</a:t>
             </a:r>
           </a:p>
@@ -36817,7 +37210,7 @@
               <a:buChar char="•"/>
             </a:pPr>
             <a:r>
-              <a:rPr lang="en-NL" sz="1900"/>
+              <a:rPr lang="en-NL" sz="1900" dirty="0"/>
               <a:t>Responding to events</a:t>
             </a:r>
           </a:p>
@@ -36833,7 +37226,7 @@
               <a:buChar char="•"/>
             </a:pPr>
             <a:r>
-              <a:rPr lang="en-NL" sz="1900"/>
+              <a:rPr lang="en-NL" sz="1900" dirty="0"/>
               <a:t>Properties (also called props)</a:t>
             </a:r>
           </a:p>
@@ -36849,7 +37242,7 @@
               <a:buChar char="•"/>
             </a:pPr>
             <a:r>
-              <a:rPr lang="en-NL" sz="1900"/>
+              <a:rPr lang="en-NL" sz="1900" dirty="0"/>
               <a:t>Hooks</a:t>
             </a:r>
           </a:p>
@@ -36864,7 +37257,7 @@
               <a:buFont typeface="Arial" panose="020B0604020202020204" pitchFamily="34" charset="0"/>
               <a:buChar char="•"/>
             </a:pPr>
-            <a:endParaRPr lang="en-NL" sz="1900"/>
+            <a:endParaRPr lang="en-NL" sz="1900" dirty="0"/>
           </a:p>
           <a:p>
             <a:pPr marL="342900" indent="-342900">
@@ -36877,7 +37270,7 @@
               <a:buFont typeface="Arial" panose="020B0604020202020204" pitchFamily="34" charset="0"/>
               <a:buChar char="•"/>
             </a:pPr>
-            <a:endParaRPr lang="en-NL" sz="1900"/>
+            <a:endParaRPr lang="en-NL" sz="1900" dirty="0"/>
           </a:p>
         </p:txBody>
       </p:sp>
@@ -36972,13 +37365,13 @@
   <p:clrMapOvr>
     <a:masterClrMapping/>
   </p:clrMapOvr>
-  <mc:AlternateContent xmlns:mc="http://schemas.openxmlformats.org/markup-compatibility/2006">
-    <mc:Choice xmlns:p14="http://schemas.microsoft.com/office/powerpoint/2010/main" Requires="p14">
+  <mc:AlternateContent xmlns:mc="http://schemas.openxmlformats.org/markup-compatibility/2006" xmlns:p14="http://schemas.microsoft.com/office/powerpoint/2010/main">
+    <mc:Choice Requires="p14">
       <p:transition spd="med" p14:dur="700">
         <p:fade/>
       </p:transition>
     </mc:Choice>
-    <mc:Fallback>
+    <mc:Fallback xmlns="">
       <p:transition spd="med">
         <p:fade/>
       </p:transition>
@@ -37034,17 +37427,17 @@
           <a:p>
             <a:r>
               <a:rPr lang="en-NL" dirty="0"/>
-              <a:t>Conditional Rendering</a:t>
+              <a:t>Extracting rendering to a function</a:t>
             </a:r>
           </a:p>
         </p:txBody>
       </p:sp>
       <p:pic>
         <p:nvPicPr>
-          <p:cNvPr id="5" name="Picture 4">
-            <a:extLst>
-              <a:ext uri="{FF2B5EF4-FFF2-40B4-BE49-F238E27FC236}">
-                <a16:creationId xmlns:a16="http://schemas.microsoft.com/office/drawing/2014/main" id="{5A189EBF-9331-A4EC-DFF6-07B9182D9D02}"/>
+          <p:cNvPr id="3" name="Picture 2">
+            <a:extLst>
+              <a:ext uri="{FF2B5EF4-FFF2-40B4-BE49-F238E27FC236}">
+                <a16:creationId xmlns:a16="http://schemas.microsoft.com/office/drawing/2014/main" id="{9F1AB96F-EF5F-E8A1-FAF0-BF59BDB051AE}"/>
               </a:ext>
             </a:extLst>
           </p:cNvPr>
@@ -37061,8 +37454,8 @@
         </p:blipFill>
         <p:spPr>
           <a:xfrm>
-            <a:off x="1583079" y="1557338"/>
-            <a:ext cx="9025843" cy="4535487"/>
+            <a:off x="2524750" y="1557338"/>
+            <a:ext cx="7142500" cy="4535487"/>
           </a:xfrm>
           <a:prstGeom prst="rect">
             <a:avLst/>
@@ -37119,20 +37512,20 @@
     </p:spTree>
     <p:extLst>
       <p:ext uri="{BB962C8B-B14F-4D97-AF65-F5344CB8AC3E}">
-        <p14:creationId xmlns:p14="http://schemas.microsoft.com/office/powerpoint/2010/main" val="3761256388"/>
+        <p14:creationId xmlns:p14="http://schemas.microsoft.com/office/powerpoint/2010/main" val="2106947390"/>
       </p:ext>
     </p:extLst>
   </p:cSld>
   <p:clrMapOvr>
     <a:masterClrMapping/>
   </p:clrMapOvr>
-  <mc:AlternateContent xmlns:mc="http://schemas.openxmlformats.org/markup-compatibility/2006">
-    <mc:Choice xmlns:p14="http://schemas.microsoft.com/office/powerpoint/2010/main" Requires="p14">
+  <mc:AlternateContent xmlns:mc="http://schemas.openxmlformats.org/markup-compatibility/2006" xmlns:p14="http://schemas.microsoft.com/office/powerpoint/2010/main">
+    <mc:Choice Requires="p14">
       <p:transition spd="med" p14:dur="700">
         <p:fade/>
       </p:transition>
     </mc:Choice>
-    <mc:Fallback>
+    <mc:Fallback xmlns="">
       <p:transition spd="med">
         <p:fade/>
       </p:transition>
@@ -37188,17 +37581,17 @@
           <a:p>
             <a:r>
               <a:rPr lang="en-NL" dirty="0"/>
-              <a:t>Extracting rendering to a function</a:t>
+              <a:t>Conditional Rendering</a:t>
             </a:r>
           </a:p>
         </p:txBody>
       </p:sp>
       <p:pic>
         <p:nvPicPr>
-          <p:cNvPr id="3" name="Picture 2">
-            <a:extLst>
-              <a:ext uri="{FF2B5EF4-FFF2-40B4-BE49-F238E27FC236}">
-                <a16:creationId xmlns:a16="http://schemas.microsoft.com/office/drawing/2014/main" id="{9F1AB96F-EF5F-E8A1-FAF0-BF59BDB051AE}"/>
+          <p:cNvPr id="5" name="Picture 4">
+            <a:extLst>
+              <a:ext uri="{FF2B5EF4-FFF2-40B4-BE49-F238E27FC236}">
+                <a16:creationId xmlns:a16="http://schemas.microsoft.com/office/drawing/2014/main" id="{5A189EBF-9331-A4EC-DFF6-07B9182D9D02}"/>
               </a:ext>
             </a:extLst>
           </p:cNvPr>
@@ -37215,8 +37608,8 @@
         </p:blipFill>
         <p:spPr>
           <a:xfrm>
-            <a:off x="2524750" y="1557338"/>
-            <a:ext cx="7142500" cy="4535487"/>
+            <a:off x="1583079" y="1557338"/>
+            <a:ext cx="9025843" cy="4535487"/>
           </a:xfrm>
           <a:prstGeom prst="rect">
             <a:avLst/>
@@ -37273,20 +37666,20 @@
     </p:spTree>
     <p:extLst>
       <p:ext uri="{BB962C8B-B14F-4D97-AF65-F5344CB8AC3E}">
-        <p14:creationId xmlns:p14="http://schemas.microsoft.com/office/powerpoint/2010/main" val="2106947390"/>
+        <p14:creationId xmlns:p14="http://schemas.microsoft.com/office/powerpoint/2010/main" val="3761256388"/>
       </p:ext>
     </p:extLst>
   </p:cSld>
   <p:clrMapOvr>
     <a:masterClrMapping/>
   </p:clrMapOvr>
-  <mc:AlternateContent xmlns:mc="http://schemas.openxmlformats.org/markup-compatibility/2006">
-    <mc:Choice xmlns:p14="http://schemas.microsoft.com/office/powerpoint/2010/main" Requires="p14">
+  <mc:AlternateContent xmlns:mc="http://schemas.openxmlformats.org/markup-compatibility/2006" xmlns:p14="http://schemas.microsoft.com/office/powerpoint/2010/main">
+    <mc:Choice Requires="p14">
       <p:transition spd="med" p14:dur="700">
         <p:fade/>
       </p:transition>
     </mc:Choice>
-    <mc:Fallback>
+    <mc:Fallback xmlns="">
       <p:transition spd="med">
         <p:fade/>
       </p:transition>
@@ -37434,13 +37827,13 @@
   <p:clrMapOvr>
     <a:masterClrMapping/>
   </p:clrMapOvr>
-  <mc:AlternateContent xmlns:mc="http://schemas.openxmlformats.org/markup-compatibility/2006">
-    <mc:Choice xmlns:p14="http://schemas.microsoft.com/office/powerpoint/2010/main" Requires="p14">
+  <mc:AlternateContent xmlns:mc="http://schemas.openxmlformats.org/markup-compatibility/2006" xmlns:p14="http://schemas.microsoft.com/office/powerpoint/2010/main">
+    <mc:Choice Requires="p14">
       <p:transition spd="med" p14:dur="700">
         <p:fade/>
       </p:transition>
     </mc:Choice>
-    <mc:Fallback>
+    <mc:Fallback xmlns="">
       <p:transition spd="med">
         <p:fade/>
       </p:transition>
@@ -37588,13 +37981,13 @@
   <p:clrMapOvr>
     <a:masterClrMapping/>
   </p:clrMapOvr>
-  <mc:AlternateContent xmlns:mc="http://schemas.openxmlformats.org/markup-compatibility/2006">
-    <mc:Choice xmlns:p14="http://schemas.microsoft.com/office/powerpoint/2010/main" Requires="p14">
+  <mc:AlternateContent xmlns:mc="http://schemas.openxmlformats.org/markup-compatibility/2006" xmlns:p14="http://schemas.microsoft.com/office/powerpoint/2010/main">
+    <mc:Choice Requires="p14">
       <p:transition spd="med" p14:dur="700">
         <p:fade/>
       </p:transition>
     </mc:Choice>
-    <mc:Fallback>
+    <mc:Fallback xmlns="">
       <p:transition spd="med">
         <p:fade/>
       </p:transition>
@@ -37742,13 +38135,13 @@
   <p:clrMapOvr>
     <a:masterClrMapping/>
   </p:clrMapOvr>
-  <mc:AlternateContent xmlns:mc="http://schemas.openxmlformats.org/markup-compatibility/2006">
-    <mc:Choice xmlns:p14="http://schemas.microsoft.com/office/powerpoint/2010/main" Requires="p14">
+  <mc:AlternateContent xmlns:mc="http://schemas.openxmlformats.org/markup-compatibility/2006" xmlns:p14="http://schemas.microsoft.com/office/powerpoint/2010/main">
+    <mc:Choice Requires="p14">
       <p:transition spd="med" p14:dur="700">
         <p:fade/>
       </p:transition>
     </mc:Choice>
-    <mc:Fallback>
+    <mc:Fallback xmlns="">
       <p:transition spd="med">
         <p:fade/>
       </p:transition>
@@ -37897,16 +38290,6 @@
               <a:t>You can pass both functions, variables and complete other React components as props</a:t>
             </a:r>
           </a:p>
-          <a:p>
-            <a:pPr marL="228600" indent="-228600">
-              <a:buFont typeface="+mj-lt"/>
-              <a:buAutoNum type="arabicPeriod"/>
-            </a:pPr>
-            <a:r>
-              <a:rPr lang="en-NL" dirty="0"/>
-              <a:t>You should avoid passing complex structures like classes as props</a:t>
-            </a:r>
-          </a:p>
         </p:txBody>
       </p:sp>
       <p:sp>
@@ -37965,13 +38348,13 @@
   <p:clrMapOvr>
     <a:masterClrMapping/>
   </p:clrMapOvr>
-  <mc:AlternateContent xmlns:mc="http://schemas.openxmlformats.org/markup-compatibility/2006">
-    <mc:Choice xmlns:p14="http://schemas.microsoft.com/office/powerpoint/2010/main" Requires="p14">
+  <mc:AlternateContent xmlns:mc="http://schemas.openxmlformats.org/markup-compatibility/2006" xmlns:p14="http://schemas.microsoft.com/office/powerpoint/2010/main">
+    <mc:Choice Requires="p14">
       <p:transition spd="med" p14:dur="700">
         <p:fade/>
       </p:transition>
     </mc:Choice>
-    <mc:Fallback>
+    <mc:Fallback xmlns="">
       <p:transition spd="med">
         <p:fade/>
       </p:transition>
@@ -38171,13 +38554,13 @@
   <p:clrMapOvr>
     <a:masterClrMapping/>
   </p:clrMapOvr>
-  <mc:AlternateContent xmlns:mc="http://schemas.openxmlformats.org/markup-compatibility/2006">
-    <mc:Choice xmlns:p14="http://schemas.microsoft.com/office/powerpoint/2010/main" Requires="p14">
+  <mc:AlternateContent xmlns:mc="http://schemas.openxmlformats.org/markup-compatibility/2006" xmlns:p14="http://schemas.microsoft.com/office/powerpoint/2010/main">
+    <mc:Choice Requires="p14">
       <p:transition spd="med" p14:dur="700">
         <p:fade/>
       </p:transition>
     </mc:Choice>
-    <mc:Fallback>
+    <mc:Fallback xmlns="">
       <p:transition spd="med">
         <p:fade/>
       </p:transition>
@@ -38373,13 +38756,13 @@
   <p:clrMapOvr>
     <a:masterClrMapping/>
   </p:clrMapOvr>
-  <mc:AlternateContent xmlns:mc="http://schemas.openxmlformats.org/markup-compatibility/2006">
-    <mc:Choice xmlns:p14="http://schemas.microsoft.com/office/powerpoint/2010/main" Requires="p14">
+  <mc:AlternateContent xmlns:mc="http://schemas.openxmlformats.org/markup-compatibility/2006" xmlns:p14="http://schemas.microsoft.com/office/powerpoint/2010/main">
+    <mc:Choice Requires="p14">
       <p:transition spd="med" p14:dur="700">
         <p:fade/>
       </p:transition>
     </mc:Choice>
-    <mc:Fallback>
+    <mc:Fallback xmlns="">
       <p:transition spd="med">
         <p:fade/>
       </p:transition>
@@ -38407,10 +38790,10 @@
       </p:grpSpPr>
       <p:pic>
         <p:nvPicPr>
-          <p:cNvPr id="2" name="Picture 1">
-            <a:extLst>
-              <a:ext uri="{FF2B5EF4-FFF2-40B4-BE49-F238E27FC236}">
-                <a16:creationId xmlns:a16="http://schemas.microsoft.com/office/drawing/2014/main" id="{1D450328-E461-E68E-651A-082BF09D4610}"/>
+          <p:cNvPr id="3" name="Picture 2">
+            <a:extLst>
+              <a:ext uri="{FF2B5EF4-FFF2-40B4-BE49-F238E27FC236}">
+                <a16:creationId xmlns:a16="http://schemas.microsoft.com/office/drawing/2014/main" id="{B1FF188B-3A40-F51C-EE46-873C510EB151}"/>
               </a:ext>
             </a:extLst>
           </p:cNvPr>
@@ -38576,13 +38959,13 @@
   <p:clrMapOvr>
     <a:masterClrMapping/>
   </p:clrMapOvr>
-  <mc:AlternateContent xmlns:mc="http://schemas.openxmlformats.org/markup-compatibility/2006">
-    <mc:Choice xmlns:p14="http://schemas.microsoft.com/office/powerpoint/2010/main" Requires="p14">
+  <mc:AlternateContent xmlns:mc="http://schemas.openxmlformats.org/markup-compatibility/2006" xmlns:p14="http://schemas.microsoft.com/office/powerpoint/2010/main">
+    <mc:Choice Requires="p14">
       <p:transition spd="med" p14:dur="700">
         <p:fade/>
       </p:transition>
     </mc:Choice>
-    <mc:Fallback>
+    <mc:Fallback xmlns="">
       <p:transition spd="med">
         <p:fade/>
       </p:transition>
@@ -38752,13 +39135,13 @@
   <p:clrMapOvr>
     <a:masterClrMapping/>
   </p:clrMapOvr>
-  <mc:AlternateContent xmlns:mc="http://schemas.openxmlformats.org/markup-compatibility/2006">
-    <mc:Choice xmlns:p14="http://schemas.microsoft.com/office/powerpoint/2010/main" Requires="p14">
+  <mc:AlternateContent xmlns:mc="http://schemas.openxmlformats.org/markup-compatibility/2006" xmlns:p14="http://schemas.microsoft.com/office/powerpoint/2010/main">
+    <mc:Choice Requires="p14">
       <p:transition spd="med" p14:dur="700">
         <p:fade/>
       </p:transition>
     </mc:Choice>
-    <mc:Fallback>
+    <mc:Fallback xmlns="">
       <p:transition spd="med">
         <p:fade/>
       </p:transition>
@@ -38786,10 +39169,10 @@
       </p:grpSpPr>
       <p:pic>
         <p:nvPicPr>
-          <p:cNvPr id="2" name="Picture 1">
-            <a:extLst>
-              <a:ext uri="{FF2B5EF4-FFF2-40B4-BE49-F238E27FC236}">
-                <a16:creationId xmlns:a16="http://schemas.microsoft.com/office/drawing/2014/main" id="{D26BCB6B-00AF-46A4-D68D-B4A6610A38FD}"/>
+          <p:cNvPr id="3" name="Picture 2" descr="A computer code with many colorful text&#10;&#10;Description automatically generated with medium confidence">
+            <a:extLst>
+              <a:ext uri="{FF2B5EF4-FFF2-40B4-BE49-F238E27FC236}">
+                <a16:creationId xmlns:a16="http://schemas.microsoft.com/office/drawing/2014/main" id="{57CA9BC9-EAA3-6784-BCE1-20ED65D14189}"/>
               </a:ext>
             </a:extLst>
           </p:cNvPr>
@@ -38806,8 +39189,8 @@
         </p:blipFill>
         <p:spPr>
           <a:xfrm>
-            <a:off x="6132513" y="1569931"/>
-            <a:ext cx="5292725" cy="3718139"/>
+            <a:off x="6132513" y="1477309"/>
+            <a:ext cx="5292725" cy="3903383"/>
           </a:xfrm>
           <a:prstGeom prst="rect">
             <a:avLst/>
@@ -38955,13 +39338,13 @@
   <p:clrMapOvr>
     <a:masterClrMapping/>
   </p:clrMapOvr>
-  <mc:AlternateContent xmlns:mc="http://schemas.openxmlformats.org/markup-compatibility/2006">
-    <mc:Choice xmlns:p14="http://schemas.microsoft.com/office/powerpoint/2010/main" Requires="p14">
+  <mc:AlternateContent xmlns:mc="http://schemas.openxmlformats.org/markup-compatibility/2006" xmlns:p14="http://schemas.microsoft.com/office/powerpoint/2010/main">
+    <mc:Choice Requires="p14">
       <p:transition spd="med" p14:dur="700">
         <p:fade/>
       </p:transition>
     </mc:Choice>
-    <mc:Fallback>
+    <mc:Fallback xmlns="">
       <p:transition spd="med">
         <p:fade/>
       </p:transition>
@@ -39260,13 +39643,13 @@
   <p:clrMapOvr>
     <a:masterClrMapping/>
   </p:clrMapOvr>
-  <mc:AlternateContent xmlns:mc="http://schemas.openxmlformats.org/markup-compatibility/2006">
-    <mc:Choice xmlns:p14="http://schemas.microsoft.com/office/powerpoint/2010/main" Requires="p14">
+  <mc:AlternateContent xmlns:mc="http://schemas.openxmlformats.org/markup-compatibility/2006" xmlns:p14="http://schemas.microsoft.com/office/powerpoint/2010/main">
+    <mc:Choice Requires="p14">
       <p:transition spd="med" p14:dur="700">
         <p:fade/>
       </p:transition>
     </mc:Choice>
-    <mc:Fallback>
+    <mc:Fallback xmlns="">
       <p:transition spd="med">
         <p:fade/>
       </p:transition>
@@ -39387,13 +39770,13 @@
   <p:clrMapOvr>
     <a:masterClrMapping/>
   </p:clrMapOvr>
-  <mc:AlternateContent xmlns:mc="http://schemas.openxmlformats.org/markup-compatibility/2006">
-    <mc:Choice xmlns:p14="http://schemas.microsoft.com/office/powerpoint/2010/main" Requires="p14">
+  <mc:AlternateContent xmlns:mc="http://schemas.openxmlformats.org/markup-compatibility/2006" xmlns:p14="http://schemas.microsoft.com/office/powerpoint/2010/main">
+    <mc:Choice Requires="p14">
       <p:transition spd="med" p14:dur="700">
         <p:fade/>
       </p:transition>
     </mc:Choice>
-    <mc:Fallback>
+    <mc:Fallback xmlns="">
       <p:transition spd="med">
         <p:fade/>
       </p:transition>
@@ -39546,13 +39929,13 @@
   <p:clrMapOvr>
     <a:masterClrMapping/>
   </p:clrMapOvr>
-  <mc:AlternateContent xmlns:mc="http://schemas.openxmlformats.org/markup-compatibility/2006">
-    <mc:Choice xmlns:p14="http://schemas.microsoft.com/office/powerpoint/2010/main" Requires="p14">
+  <mc:AlternateContent xmlns:mc="http://schemas.openxmlformats.org/markup-compatibility/2006" xmlns:p14="http://schemas.microsoft.com/office/powerpoint/2010/main">
+    <mc:Choice Requires="p14">
       <p:transition spd="med" p14:dur="700">
         <p:fade/>
       </p:transition>
     </mc:Choice>
-    <mc:Fallback>
+    <mc:Fallback xmlns="">
       <p:transition spd="med">
         <p:fade/>
       </p:transition>
@@ -39645,13 +40028,13 @@
   <p:clrMapOvr>
     <a:masterClrMapping/>
   </p:clrMapOvr>
-  <mc:AlternateContent xmlns:mc="http://schemas.openxmlformats.org/markup-compatibility/2006">
-    <mc:Choice xmlns:p14="http://schemas.microsoft.com/office/powerpoint/2010/main" Requires="p14">
+  <mc:AlternateContent xmlns:mc="http://schemas.openxmlformats.org/markup-compatibility/2006" xmlns:p14="http://schemas.microsoft.com/office/powerpoint/2010/main">
+    <mc:Choice Requires="p14">
       <p:transition spd="med" p14:dur="700">
         <p:fade/>
       </p:transition>
     </mc:Choice>
-    <mc:Fallback>
+    <mc:Fallback xmlns="">
       <p:transition spd="med">
         <p:fade/>
       </p:transition>
@@ -39827,13 +40210,13 @@
   <p:clrMapOvr>
     <a:masterClrMapping/>
   </p:clrMapOvr>
-  <mc:AlternateContent xmlns:mc="http://schemas.openxmlformats.org/markup-compatibility/2006">
-    <mc:Choice xmlns:p14="http://schemas.microsoft.com/office/powerpoint/2010/main" Requires="p14">
+  <mc:AlternateContent xmlns:mc="http://schemas.openxmlformats.org/markup-compatibility/2006" xmlns:p14="http://schemas.microsoft.com/office/powerpoint/2010/main">
+    <mc:Choice Requires="p14">
       <p:transition spd="med" p14:dur="700">
         <p:fade/>
       </p:transition>
     </mc:Choice>
-    <mc:Fallback>
+    <mc:Fallback xmlns="">
       <p:transition spd="med">
         <p:fade/>
       </p:transition>
@@ -39986,13 +40369,13 @@
   <p:clrMapOvr>
     <a:masterClrMapping/>
   </p:clrMapOvr>
-  <mc:AlternateContent xmlns:mc="http://schemas.openxmlformats.org/markup-compatibility/2006">
-    <mc:Choice xmlns:p14="http://schemas.microsoft.com/office/powerpoint/2010/main" Requires="p14">
+  <mc:AlternateContent xmlns:mc="http://schemas.openxmlformats.org/markup-compatibility/2006" xmlns:p14="http://schemas.microsoft.com/office/powerpoint/2010/main">
+    <mc:Choice Requires="p14">
       <p:transition spd="med" p14:dur="700">
         <p:fade/>
       </p:transition>
     </mc:Choice>
-    <mc:Fallback>
+    <mc:Fallback xmlns="">
       <p:transition spd="med">
         <p:fade/>
       </p:transition>
@@ -40141,13 +40524,13 @@
   <p:clrMapOvr>
     <a:masterClrMapping/>
   </p:clrMapOvr>
-  <mc:AlternateContent xmlns:mc="http://schemas.openxmlformats.org/markup-compatibility/2006">
-    <mc:Choice xmlns:p14="http://schemas.microsoft.com/office/powerpoint/2010/main" Requires="p14">
+  <mc:AlternateContent xmlns:mc="http://schemas.openxmlformats.org/markup-compatibility/2006" xmlns:p14="http://schemas.microsoft.com/office/powerpoint/2010/main">
+    <mc:Choice Requires="p14">
       <p:transition spd="med" p14:dur="700">
         <p:fade/>
       </p:transition>
     </mc:Choice>
-    <mc:Fallback>
+    <mc:Fallback xmlns="">
       <p:transition spd="med">
         <p:fade/>
       </p:transition>
@@ -41187,6 +41570,21 @@
 </file>
 
 <file path=customXml/item1.xml><?xml version="1.0" encoding="utf-8"?>
+<?mso-contentType ?>
+<FormTemplates xmlns="http://schemas.microsoft.com/sharepoint/v3/contenttype/forms">
+  <Display>DocumentLibraryForm</Display>
+  <Edit>DocumentLibraryForm</Edit>
+  <New>DocumentLibraryForm</New>
+</FormTemplates>
+</file>
+
+<file path=customXml/item2.xml><?xml version="1.0" encoding="utf-8"?>
+<p:properties xmlns:p="http://schemas.microsoft.com/office/2006/metadata/properties" xmlns:xsi="http://www.w3.org/2001/XMLSchema-instance">
+  <documentManagement/>
+</p:properties>
+</file>
+
+<file path=customXml/item3.xml><?xml version="1.0" encoding="utf-8"?>
 <ct:contentTypeSchema xmlns:ct="http://schemas.microsoft.com/office/2006/metadata/contentType" xmlns:ma="http://schemas.microsoft.com/office/2006/metadata/properties/metaAttributes" ct:_="" ma:_="" ma:contentTypeName="Document" ma:contentTypeID="0x010100D06D1DEF71246949A8BE690928B9FA92" ma:contentTypeVersion="12" ma:contentTypeDescription="Create a new document." ma:contentTypeScope="" ma:versionID="c7872194bb344b0e56a5c22949bcefbf">
   <xsd:schema xmlns:xsd="http://www.w3.org/2001/XMLSchema" xmlns:xs="http://www.w3.org/2001/XMLSchema" xmlns:p="http://schemas.microsoft.com/office/2006/metadata/properties" xmlns:ns2="e768024a-b060-4ad5-913a-bcfaadceb1f5" xmlns:ns3="cfa8ccd9-a380-472f-9e14-f384934d746f" targetNamespace="http://schemas.microsoft.com/office/2006/metadata/properties" ma:root="true" ma:fieldsID="9de53672cbd6c87e4c75c35c771fcd17" ns2:_="" ns3:_="">
     <xsd:import namespace="e768024a-b060-4ad5-913a-bcfaadceb1f5"/>
@@ -41403,28 +41801,7 @@
 </ct:contentTypeSchema>
 </file>
 
-<file path=customXml/item2.xml><?xml version="1.0" encoding="utf-8"?>
-<?mso-contentType ?>
-<FormTemplates xmlns="http://schemas.microsoft.com/sharepoint/v3/contenttype/forms">
-  <Display>DocumentLibraryForm</Display>
-  <Edit>DocumentLibraryForm</Edit>
-  <New>DocumentLibraryForm</New>
-</FormTemplates>
-</file>
-
-<file path=customXml/item3.xml><?xml version="1.0" encoding="utf-8"?>
-<p:properties xmlns:p="http://schemas.microsoft.com/office/2006/metadata/properties" xmlns:xsi="http://www.w3.org/2001/XMLSchema-instance">
-  <documentManagement/>
-</p:properties>
-</file>
-
 <file path=customXml/itemProps1.xml><?xml version="1.0" encoding="utf-8"?>
-<ds:datastoreItem xmlns:ds="http://schemas.openxmlformats.org/officeDocument/2006/customXml" ds:itemID="{91C7B255-3552-497C-B3C7-0572EE08EA37}">
-  <ds:schemaRefs/>
-</ds:datastoreItem>
-</file>
-
-<file path=customXml/itemProps2.xml><?xml version="1.0" encoding="utf-8"?>
 <ds:datastoreItem xmlns:ds="http://schemas.openxmlformats.org/officeDocument/2006/customXml" ds:itemID="{ADA5D674-9920-4D2F-B065-BC24FD29F86D}">
   <ds:schemaRefs>
     <ds:schemaRef ds:uri="http://schemas.microsoft.com/sharepoint/v3/contenttype/forms"/>
@@ -41432,7 +41809,7 @@
 </ds:datastoreItem>
 </file>
 
-<file path=customXml/itemProps3.xml><?xml version="1.0" encoding="utf-8"?>
+<file path=customXml/itemProps2.xml><?xml version="1.0" encoding="utf-8"?>
 <ds:datastoreItem xmlns:ds="http://schemas.openxmlformats.org/officeDocument/2006/customXml" ds:itemID="{2F4C4F6A-F6A5-45C8-BAAA-52FB70E387C7}">
   <ds:schemaRefs>
     <ds:schemaRef ds:uri="http://www.w3.org/XML/1998/namespace"/>
@@ -41447,4 +41824,10 @@
     <ds:schemaRef ds:uri="e768024a-b060-4ad5-913a-bcfaadceb1f5"/>
   </ds:schemaRefs>
 </ds:datastoreItem>
+</file>
+
+<file path=customXml/itemProps3.xml><?xml version="1.0" encoding="utf-8"?>
+<ds:datastoreItem xmlns:ds="http://schemas.openxmlformats.org/officeDocument/2006/customXml" ds:itemID="{91C7B255-3552-497C-B3C7-0572EE08EA37}">
+  <ds:schemaRefs/>
+</ds:datastoreItem>
 </file>